--- a/spring - 학습자료/PART2.pptx
+++ b/spring - 학습자료/PART2.pptx
@@ -1810,7 +1810,7 @@
             <a:fld id="{48A87A34-81AB-432B-8DAE-1953F412C126}" type="datetimeFigureOut">
               <a:rPr lang="en-US" smtClean="0"/>
               <a:pPr/>
-              <a:t>4/17/2023</a:t>
+              <a:t>4/18/2023</a:t>
             </a:fld>
             <a:endParaRPr lang="en-US"/>
           </a:p>
@@ -2010,7 +2010,7 @@
             <a:fld id="{48A87A34-81AB-432B-8DAE-1953F412C126}" type="datetimeFigureOut">
               <a:rPr lang="en-US" smtClean="0"/>
               <a:pPr/>
-              <a:t>4/17/2023</a:t>
+              <a:t>4/18/2023</a:t>
             </a:fld>
             <a:endParaRPr lang="en-US"/>
           </a:p>
@@ -2220,7 +2220,7 @@
             <a:fld id="{48A87A34-81AB-432B-8DAE-1953F412C126}" type="datetimeFigureOut">
               <a:rPr lang="en-US" smtClean="0"/>
               <a:pPr/>
-              <a:t>4/17/2023</a:t>
+              <a:t>4/18/2023</a:t>
             </a:fld>
             <a:endParaRPr lang="en-US"/>
           </a:p>
@@ -2430,7 +2430,7 @@
             <a:fld id="{48A87A34-81AB-432B-8DAE-1953F412C126}" type="datetimeFigureOut">
               <a:rPr lang="en-US" smtClean="0"/>
               <a:pPr/>
-              <a:t>4/17/2023</a:t>
+              <a:t>4/18/2023</a:t>
             </a:fld>
             <a:endParaRPr lang="en-US"/>
           </a:p>
@@ -2707,7 +2707,7 @@
             <a:fld id="{48A87A34-81AB-432B-8DAE-1953F412C126}" type="datetimeFigureOut">
               <a:rPr lang="en-US" smtClean="0"/>
               <a:pPr/>
-              <a:t>4/17/2023</a:t>
+              <a:t>4/18/2023</a:t>
             </a:fld>
             <a:endParaRPr lang="en-US"/>
           </a:p>
@@ -2974,7 +2974,7 @@
             <a:fld id="{48A87A34-81AB-432B-8DAE-1953F412C126}" type="datetimeFigureOut">
               <a:rPr lang="en-US" smtClean="0"/>
               <a:pPr/>
-              <a:t>4/17/2023</a:t>
+              <a:t>4/18/2023</a:t>
             </a:fld>
             <a:endParaRPr lang="en-US"/>
           </a:p>
@@ -3388,7 +3388,7 @@
             <a:fld id="{48A87A34-81AB-432B-8DAE-1953F412C126}" type="datetimeFigureOut">
               <a:rPr lang="en-US" smtClean="0"/>
               <a:pPr/>
-              <a:t>4/17/2023</a:t>
+              <a:t>4/18/2023</a:t>
             </a:fld>
             <a:endParaRPr lang="en-US"/>
           </a:p>
@@ -3531,7 +3531,7 @@
             <a:fld id="{48A87A34-81AB-432B-8DAE-1953F412C126}" type="datetimeFigureOut">
               <a:rPr lang="en-US" smtClean="0"/>
               <a:pPr/>
-              <a:t>4/17/2023</a:t>
+              <a:t>4/18/2023</a:t>
             </a:fld>
             <a:endParaRPr lang="en-US"/>
           </a:p>
@@ -3646,7 +3646,7 @@
             <a:fld id="{48A87A34-81AB-432B-8DAE-1953F412C126}" type="datetimeFigureOut">
               <a:rPr lang="en-US" smtClean="0"/>
               <a:pPr/>
-              <a:t>4/17/2023</a:t>
+              <a:t>4/18/2023</a:t>
             </a:fld>
             <a:endParaRPr lang="en-US"/>
           </a:p>
@@ -3959,7 +3959,7 @@
             <a:fld id="{48A87A34-81AB-432B-8DAE-1953F412C126}" type="datetimeFigureOut">
               <a:rPr lang="en-US" smtClean="0"/>
               <a:pPr/>
-              <a:t>4/17/2023</a:t>
+              <a:t>4/18/2023</a:t>
             </a:fld>
             <a:endParaRPr lang="en-US"/>
           </a:p>
@@ -4249,7 +4249,7 @@
             <a:fld id="{48A87A34-81AB-432B-8DAE-1953F412C126}" type="datetimeFigureOut">
               <a:rPr lang="en-US" smtClean="0"/>
               <a:pPr/>
-              <a:t>4/17/2023</a:t>
+              <a:t>4/18/2023</a:t>
             </a:fld>
             <a:endParaRPr lang="en-US"/>
           </a:p>
@@ -4492,7 +4492,7 @@
             <a:fld id="{48A87A34-81AB-432B-8DAE-1953F412C126}" type="datetimeFigureOut">
               <a:rPr lang="en-US" smtClean="0"/>
               <a:pPr/>
-              <a:t>4/17/2023</a:t>
+              <a:t>4/18/2023</a:t>
             </a:fld>
             <a:endParaRPr lang="en-US"/>
           </a:p>
@@ -5858,11 +5858,7 @@
             </a:r>
             <a:r>
               <a:rPr lang="ko-KR" altLang="en-US" dirty="0" smtClean="0"/>
-              <a:t>구현하는 </a:t>
-            </a:r>
-            <a:r>
-              <a:rPr lang="ko-KR" altLang="en-US" dirty="0" smtClean="0"/>
-              <a:t>클래스로 </a:t>
+              <a:t>구현하는 클래스로 </a:t>
             </a:r>
             <a:r>
               <a:rPr lang="en-US" altLang="ko-KR" dirty="0" smtClean="0"/>
@@ -6166,15 +6162,7 @@
             </a:r>
             <a:r>
               <a:rPr lang="en-US" altLang="ko-KR" dirty="0" smtClean="0"/>
-              <a:t>MVC </a:t>
-            </a:r>
-            <a:r>
-              <a:rPr lang="en-US" altLang="ko-KR" dirty="0" smtClean="0"/>
-              <a:t>Controller (p.125</a:t>
-            </a:r>
-            <a:r>
-              <a:rPr lang="en-US" altLang="ko-KR" dirty="0" smtClean="0"/>
-              <a:t>)</a:t>
+              <a:t>MVC Controller (p.125)</a:t>
             </a:r>
             <a:endParaRPr lang="ko-KR" altLang="en-US" dirty="0"/>
           </a:p>
@@ -6494,7 +6482,7 @@
         </p:nvGraphicFramePr>
         <p:xfrm>
           <a:off x="1491307" y="3384223"/>
-          <a:ext cx="5725160" cy="2629957"/>
+          <a:ext cx="5725160" cy="2651864"/>
         </p:xfrm>
         <a:graphic>
           <a:graphicData uri="http://schemas.openxmlformats.org/drawingml/2006/table">
@@ -7538,75 +7526,91 @@
           <a:lstStyle/>
           <a:p>
             <a:r>
-              <a:rPr lang="ko-KR" altLang="en-US"/>
+              <a:rPr lang="ko-KR" altLang="en-US" dirty="0"/>
               <a:t>스프링 </a:t>
             </a:r>
             <a:r>
-              <a:rPr lang="en-US" altLang="ko-KR"/>
+              <a:rPr lang="en-US" altLang="ko-KR" dirty="0"/>
               <a:t>MVC</a:t>
             </a:r>
             <a:r>
-              <a:rPr lang="ko-KR" altLang="en-US"/>
-              <a:t>의 컨트롤러는 메서드의 파라미터를 자동으로 수집</a:t>
-            </a:r>
-            <a:r>
-              <a:rPr lang="en-US" altLang="ko-KR"/>
+              <a:rPr lang="ko-KR" altLang="en-US" dirty="0"/>
+              <a:t>의 컨트롤러는 메서드의 </a:t>
+            </a:r>
+            <a:r>
+              <a:rPr lang="ko-KR" altLang="en-US" dirty="0" err="1"/>
+              <a:t>파라미터를</a:t>
+            </a:r>
+            <a:r>
+              <a:rPr lang="ko-KR" altLang="en-US" dirty="0"/>
+              <a:t> 자동으로 수집</a:t>
+            </a:r>
+            <a:r>
+              <a:rPr lang="en-US" altLang="ko-KR" dirty="0"/>
               <a:t>, </a:t>
             </a:r>
             <a:r>
-              <a:rPr lang="ko-KR" altLang="en-US"/>
+              <a:rPr lang="ko-KR" altLang="en-US" dirty="0"/>
               <a:t>변환하는 편리한 기능을 제공</a:t>
             </a:r>
-            <a:endParaRPr lang="en-US" altLang="ko-KR"/>
-          </a:p>
-          <a:p>
-            <a:r>
-              <a:rPr lang="en-US" altLang="ko-KR"/>
+            <a:endParaRPr lang="en-US" altLang="ko-KR" dirty="0"/>
+          </a:p>
+          <a:p>
+            <a:r>
+              <a:rPr lang="en-US" altLang="ko-KR" dirty="0"/>
               <a:t>Java Beans </a:t>
             </a:r>
             <a:r>
-              <a:rPr lang="ko-KR" altLang="en-US"/>
+              <a:rPr lang="ko-KR" altLang="en-US" dirty="0"/>
               <a:t>규칙에 맞게 작성되어야 한다</a:t>
             </a:r>
             <a:r>
-              <a:rPr lang="en-US" altLang="ko-KR"/>
+              <a:rPr lang="en-US" altLang="ko-KR" dirty="0"/>
               <a:t>. </a:t>
             </a:r>
           </a:p>
           <a:p>
             <a:pPr lvl="1"/>
             <a:r>
-              <a:rPr lang="ko-KR" altLang="en-US"/>
+              <a:rPr lang="ko-KR" altLang="en-US" dirty="0"/>
               <a:t>생성자가 없거나 </a:t>
             </a:r>
             <a:r>
-              <a:rPr lang="ko-KR" altLang="en-US" smtClean="0"/>
-              <a:t>파라메터가 빈 </a:t>
-            </a:r>
-            <a:r>
-              <a:rPr lang="ko-KR" altLang="en-US"/>
-              <a:t>생성자 </a:t>
-            </a:r>
-            <a:endParaRPr lang="en-US" altLang="ko-KR"/>
+              <a:rPr lang="ko-KR" altLang="en-US" dirty="0" err="1" smtClean="0"/>
+              <a:t>파라메터가</a:t>
+            </a:r>
+            <a:r>
+              <a:rPr lang="ko-KR" altLang="en-US" dirty="0" smtClean="0"/>
+              <a:t> 빈 </a:t>
+            </a:r>
+            <a:r>
+              <a:rPr lang="ko-KR" altLang="en-US" dirty="0" err="1"/>
+              <a:t>생성자</a:t>
+            </a:r>
+            <a:r>
+              <a:rPr lang="ko-KR" altLang="en-US" dirty="0"/>
+              <a:t> </a:t>
+            </a:r>
+            <a:endParaRPr lang="en-US" altLang="ko-KR" dirty="0"/>
           </a:p>
           <a:p>
             <a:pPr lvl="1"/>
             <a:r>
-              <a:rPr lang="ko-KR" altLang="en-US"/>
+              <a:rPr lang="ko-KR" altLang="en-US" dirty="0"/>
               <a:t>올바른 규칙으로 만들어진 </a:t>
             </a:r>
             <a:r>
-              <a:rPr lang="en-US" altLang="ko-KR"/>
+              <a:rPr lang="en-US" altLang="ko-KR" dirty="0"/>
               <a:t>Getter/Setter </a:t>
             </a:r>
             <a:r>
-              <a:rPr lang="ko-KR" altLang="en-US"/>
+              <a:rPr lang="ko-KR" altLang="en-US" dirty="0"/>
               <a:t> </a:t>
             </a:r>
-            <a:endParaRPr lang="en-US" altLang="ko-KR"/>
-          </a:p>
-          <a:p>
-            <a:endParaRPr lang="ko-KR" altLang="en-US"/>
+            <a:endParaRPr lang="en-US" altLang="ko-KR" dirty="0"/>
+          </a:p>
+          <a:p>
+            <a:endParaRPr lang="ko-KR" altLang="en-US" dirty="0"/>
           </a:p>
         </p:txBody>
       </p:sp>
@@ -7715,7 +7719,7 @@
         </p:nvSpPr>
         <p:spPr>
           <a:xfrm>
-            <a:off x="4387442" y="3294776"/>
+            <a:off x="4572000" y="2997897"/>
             <a:ext cx="3473042" cy="1600438"/>
           </a:xfrm>
           <a:prstGeom prst="rect">
@@ -7743,48 +7747,72 @@
           <a:lstStyle/>
           <a:p>
             <a:r>
-              <a:rPr lang="en-US" altLang="ko-KR" sz="1400"/>
-              <a:t>@Data</a:t>
-            </a:r>
-            <a:endParaRPr lang="ko-KR" altLang="ko-KR" sz="1400"/>
-          </a:p>
-          <a:p>
-            <a:r>
-              <a:rPr lang="en-US" altLang="ko-KR" sz="1400"/>
-              <a:t>public class SampleDTO {</a:t>
-            </a:r>
-            <a:endParaRPr lang="ko-KR" altLang="ko-KR" sz="1400"/>
-          </a:p>
-          <a:p>
-            <a:r>
-              <a:rPr lang="en-US" altLang="ko-KR" sz="1400"/>
+              <a:rPr lang="en-US" altLang="ko-KR" sz="1400" dirty="0"/>
+              <a:t>@</a:t>
+            </a:r>
+            <a:r>
+              <a:rPr lang="en-US" altLang="ko-KR" sz="1400" dirty="0" smtClean="0"/>
+              <a:t>Data //domain </a:t>
+            </a:r>
+            <a:r>
+              <a:rPr lang="ko-KR" altLang="en-US" sz="1400" dirty="0" smtClean="0"/>
+              <a:t>패키지에 생성</a:t>
+            </a:r>
+            <a:endParaRPr lang="ko-KR" altLang="ko-KR" sz="1400" dirty="0"/>
+          </a:p>
+          <a:p>
+            <a:r>
+              <a:rPr lang="en-US" altLang="ko-KR" sz="1400" dirty="0"/>
+              <a:t>public class </a:t>
+            </a:r>
+            <a:r>
+              <a:rPr lang="en-US" altLang="ko-KR" sz="1400" dirty="0" err="1"/>
+              <a:t>SampleDTO</a:t>
+            </a:r>
+            <a:r>
+              <a:rPr lang="en-US" altLang="ko-KR" sz="1400" dirty="0"/>
+              <a:t> {</a:t>
+            </a:r>
+            <a:endParaRPr lang="ko-KR" altLang="ko-KR" sz="1400" dirty="0"/>
+          </a:p>
+          <a:p>
+            <a:r>
+              <a:rPr lang="en-US" altLang="ko-KR" sz="1400" dirty="0"/>
               <a:t> </a:t>
             </a:r>
-            <a:endParaRPr lang="ko-KR" altLang="ko-KR" sz="1400"/>
-          </a:p>
-          <a:p>
-            <a:r>
-              <a:rPr lang="en-US" altLang="ko-KR" sz="1400"/>
+            <a:endParaRPr lang="ko-KR" altLang="ko-KR" sz="1400" dirty="0"/>
+          </a:p>
+          <a:p>
+            <a:r>
+              <a:rPr lang="en-US" altLang="ko-KR" sz="1400" dirty="0"/>
               <a:t>  private String name;</a:t>
             </a:r>
-            <a:endParaRPr lang="ko-KR" altLang="ko-KR" sz="1400"/>
-          </a:p>
-          <a:p>
-            <a:r>
-              <a:rPr lang="en-US" altLang="ko-KR" sz="1400"/>
-              <a:t>  private int age;</a:t>
-            </a:r>
-            <a:endParaRPr lang="ko-KR" altLang="ko-KR" sz="1400"/>
-          </a:p>
-          <a:p>
-            <a:r>
-              <a:rPr lang="en-US" altLang="ko-KR" sz="1400"/>
+            <a:endParaRPr lang="ko-KR" altLang="ko-KR" sz="1400" dirty="0"/>
+          </a:p>
+          <a:p>
+            <a:r>
+              <a:rPr lang="en-US" altLang="ko-KR" sz="1400" dirty="0"/>
+              <a:t>  private </a:t>
+            </a:r>
+            <a:r>
+              <a:rPr lang="en-US" altLang="ko-KR" sz="1400" dirty="0" err="1"/>
+              <a:t>int</a:t>
+            </a:r>
+            <a:r>
+              <a:rPr lang="en-US" altLang="ko-KR" sz="1400" dirty="0"/>
+              <a:t> age;</a:t>
+            </a:r>
+            <a:endParaRPr lang="ko-KR" altLang="ko-KR" sz="1400" dirty="0"/>
+          </a:p>
+          <a:p>
+            <a:r>
+              <a:rPr lang="en-US" altLang="ko-KR" sz="1400" dirty="0"/>
               <a:t>}</a:t>
             </a:r>
-            <a:endParaRPr lang="ko-KR" altLang="ko-KR" sz="1400"/>
-          </a:p>
-          <a:p>
-            <a:endParaRPr lang="ko-KR" altLang="en-US" sz="1400"/>
+            <a:endParaRPr lang="ko-KR" altLang="ko-KR" sz="1400" dirty="0"/>
+          </a:p>
+          <a:p>
+            <a:endParaRPr lang="ko-KR" altLang="en-US" sz="1400" dirty="0"/>
           </a:p>
         </p:txBody>
       </p:sp>
@@ -8004,8 +8032,19 @@
               <a:rPr lang="en-US" altLang="ko-KR" dirty="0"/>
             </a:br>
             <a:r>
+              <a:rPr lang="en-US" altLang="ko-KR" dirty="0" smtClean="0"/>
+              <a:t/>
+            </a:r>
+            <a:br>
+              <a:rPr lang="en-US" altLang="ko-KR" dirty="0" smtClean="0"/>
+            </a:br>
+            <a:r>
+              <a:rPr lang="en-US" altLang="ko-KR" dirty="0" smtClean="0"/>
+              <a:t>public </a:t>
+            </a:r>
+            <a:r>
               <a:rPr lang="en-US" altLang="ko-KR" dirty="0"/>
-              <a:t>public String ex02(@</a:t>
+              <a:t>String ex02(@</a:t>
             </a:r>
             <a:r>
               <a:rPr lang="en-US" altLang="ko-KR" dirty="0" err="1"/>
@@ -8035,7 +8074,201 @@
               <a:rPr lang="en-US" altLang="ko-KR" dirty="0" smtClean="0"/>
               <a:t>){</a:t>
             </a:r>
-            <a:endParaRPr lang="ko-KR" altLang="en-US" dirty="0"/>
+            <a:br>
+              <a:rPr lang="en-US" altLang="ko-KR" dirty="0" smtClean="0"/>
+            </a:br>
+            <a:endParaRPr lang="en-US" altLang="ko-KR" dirty="0" smtClean="0"/>
+          </a:p>
+          <a:p>
+            <a:r>
+              <a:rPr lang="ko-KR" altLang="en-US" dirty="0" smtClean="0"/>
+              <a:t>기본형과 문자열은 자동 </a:t>
+            </a:r>
+            <a:r>
+              <a:rPr lang="ko-KR" altLang="en-US" dirty="0" err="1" smtClean="0"/>
+              <a:t>형변환이</a:t>
+            </a:r>
+            <a:r>
+              <a:rPr lang="ko-KR" altLang="en-US" dirty="0" smtClean="0"/>
+              <a:t> 된다</a:t>
+            </a:r>
+            <a:r>
+              <a:rPr lang="en-US" altLang="ko-KR" dirty="0" smtClean="0"/>
+              <a:t>.</a:t>
+            </a:r>
+          </a:p>
+          <a:p>
+            <a:pPr marL="0" indent="0">
+              <a:buNone/>
+            </a:pPr>
+            <a:r>
+              <a:rPr lang="en-US" altLang="ko-KR" dirty="0"/>
+              <a:t> </a:t>
+            </a:r>
+            <a:r>
+              <a:rPr lang="en-US" altLang="ko-KR" dirty="0" smtClean="0"/>
+              <a:t>(</a:t>
+            </a:r>
+            <a:r>
+              <a:rPr lang="ko-KR" altLang="en-US" dirty="0" smtClean="0"/>
+              <a:t>클라이언트에서 오는 </a:t>
+            </a:r>
+            <a:r>
+              <a:rPr lang="ko-KR" altLang="en-US" dirty="0" err="1" smtClean="0"/>
+              <a:t>파라미터</a:t>
+            </a:r>
+            <a:r>
+              <a:rPr lang="ko-KR" altLang="en-US" dirty="0" smtClean="0"/>
+              <a:t> 값은 전부 문자열이나</a:t>
+            </a:r>
+            <a:r>
+              <a:rPr lang="en-US" altLang="ko-KR" dirty="0" smtClean="0"/>
+              <a:t>,</a:t>
+            </a:r>
+            <a:br>
+              <a:rPr lang="en-US" altLang="ko-KR" dirty="0" smtClean="0"/>
+            </a:br>
+            <a:r>
+              <a:rPr lang="en-US" altLang="ko-KR" dirty="0" smtClean="0"/>
+              <a:t> bean</a:t>
+            </a:r>
+            <a:r>
+              <a:rPr lang="ko-KR" altLang="en-US" dirty="0" smtClean="0"/>
+              <a:t> 클래스의</a:t>
+            </a:r>
+            <a:r>
+              <a:rPr lang="en-US" altLang="ko-KR" dirty="0" smtClean="0"/>
+              <a:t> </a:t>
+            </a:r>
+            <a:r>
+              <a:rPr lang="ko-KR" altLang="en-US" dirty="0" err="1" smtClean="0"/>
+              <a:t>멤버변수가</a:t>
+            </a:r>
+            <a:r>
+              <a:rPr lang="ko-KR" altLang="en-US" dirty="0" smtClean="0"/>
+              <a:t> </a:t>
+            </a:r>
+            <a:r>
+              <a:rPr lang="en-US" altLang="ko-KR" dirty="0" err="1" smtClean="0"/>
+              <a:t>int</a:t>
+            </a:r>
+            <a:r>
+              <a:rPr lang="ko-KR" altLang="en-US" dirty="0" smtClean="0"/>
+              <a:t>이면 자동</a:t>
+            </a:r>
+            <a:r>
+              <a:rPr lang="en-US" altLang="ko-KR" dirty="0"/>
+              <a:t> </a:t>
+            </a:r>
+            <a:r>
+              <a:rPr lang="en-US" altLang="ko-KR" dirty="0" err="1" smtClean="0"/>
+              <a:t>int</a:t>
+            </a:r>
+            <a:r>
+              <a:rPr lang="ko-KR" altLang="en-US" dirty="0" smtClean="0"/>
+              <a:t>로 </a:t>
+            </a:r>
+            <a:r>
+              <a:rPr lang="ko-KR" altLang="en-US" dirty="0" err="1" smtClean="0"/>
+              <a:t>형변환</a:t>
+            </a:r>
+            <a:r>
+              <a:rPr lang="ko-KR" altLang="en-US" dirty="0" smtClean="0"/>
+              <a:t> 해야한다</a:t>
+            </a:r>
+            <a:r>
+              <a:rPr lang="en-US" altLang="ko-KR" dirty="0" smtClean="0"/>
+              <a:t>.)</a:t>
+            </a:r>
+          </a:p>
+          <a:p>
+            <a:pPr marL="0" indent="0">
+              <a:buNone/>
+            </a:pPr>
+            <a:endParaRPr lang="en-US" altLang="ko-KR" dirty="0" smtClean="0"/>
+          </a:p>
+          <a:p>
+            <a:pPr marL="0" indent="0">
+              <a:buNone/>
+            </a:pPr>
+            <a:r>
+              <a:rPr lang="en-US" altLang="ko-KR" dirty="0" smtClean="0"/>
+              <a:t>@</a:t>
+            </a:r>
+            <a:r>
+              <a:rPr lang="en-US" altLang="ko-KR" dirty="0" err="1" smtClean="0"/>
+              <a:t>RequsetParam</a:t>
+            </a:r>
+            <a:r>
+              <a:rPr lang="en-US" altLang="ko-KR" dirty="0" smtClean="0"/>
+              <a:t>(</a:t>
+            </a:r>
+            <a:r>
+              <a:rPr lang="ko-KR" altLang="en-US" dirty="0" smtClean="0"/>
+              <a:t>클라이언트에서 보내는 </a:t>
+            </a:r>
+            <a:r>
+              <a:rPr lang="ko-KR" altLang="en-US" dirty="0" err="1" smtClean="0"/>
+              <a:t>파라미터</a:t>
+            </a:r>
+            <a:r>
+              <a:rPr lang="ko-KR" altLang="en-US" dirty="0" smtClean="0"/>
+              <a:t> </a:t>
+            </a:r>
+            <a:r>
+              <a:rPr lang="ko-KR" altLang="en-US" dirty="0" err="1" smtClean="0"/>
+              <a:t>변수명</a:t>
+            </a:r>
+            <a:r>
+              <a:rPr lang="en-US" altLang="ko-KR" dirty="0" smtClean="0"/>
+              <a:t>)</a:t>
+            </a:r>
+          </a:p>
+          <a:p>
+            <a:pPr marL="0" indent="0">
+              <a:buNone/>
+            </a:pPr>
+            <a:r>
+              <a:rPr lang="ko-KR" altLang="en-US" dirty="0" err="1" smtClean="0"/>
+              <a:t>파라미터</a:t>
+            </a:r>
+            <a:r>
+              <a:rPr lang="ko-KR" altLang="en-US" dirty="0" smtClean="0"/>
+              <a:t> </a:t>
+            </a:r>
+            <a:r>
+              <a:rPr lang="ko-KR" altLang="en-US" dirty="0" err="1" smtClean="0"/>
+              <a:t>변수명과</a:t>
+            </a:r>
+            <a:r>
+              <a:rPr lang="ko-KR" altLang="en-US" dirty="0" smtClean="0"/>
+              <a:t> 서버의 </a:t>
+            </a:r>
+            <a:r>
+              <a:rPr lang="ko-KR" altLang="en-US" dirty="0" err="1" smtClean="0"/>
+              <a:t>파라미터</a:t>
+            </a:r>
+            <a:r>
+              <a:rPr lang="ko-KR" altLang="en-US" dirty="0" smtClean="0"/>
+              <a:t> </a:t>
+            </a:r>
+            <a:r>
+              <a:rPr lang="ko-KR" altLang="en-US" dirty="0" err="1" smtClean="0"/>
+              <a:t>변수명이</a:t>
+            </a:r>
+            <a:r>
+              <a:rPr lang="ko-KR" altLang="en-US" dirty="0" smtClean="0"/>
+              <a:t> 다르게 </a:t>
+            </a:r>
+            <a:r>
+              <a:rPr lang="ko-KR" altLang="en-US" dirty="0" err="1" smtClean="0"/>
+              <a:t>사용될시활용한다</a:t>
+            </a:r>
+            <a:r>
+              <a:rPr lang="en-US" altLang="ko-KR" dirty="0" smtClean="0"/>
+              <a:t>.</a:t>
+            </a:r>
+            <a:endParaRPr lang="en-US" altLang="ko-KR" dirty="0"/>
           </a:p>
         </p:txBody>
       </p:sp>
@@ -8404,7 +8637,7 @@
         <p:spPr>
           <a:xfrm>
             <a:off x="740979" y="3724080"/>
-            <a:ext cx="7212723" cy="646331"/>
+            <a:ext cx="7212723" cy="1477328"/>
           </a:xfrm>
           <a:prstGeom prst="rect">
             <a:avLst/>
@@ -8417,21 +8650,77 @@
           <a:lstStyle/>
           <a:p>
             <a:r>
-              <a:rPr lang="en-US" altLang="ko-KR" smtClean="0"/>
+              <a:rPr lang="ko-KR" altLang="en-US" dirty="0" smtClean="0"/>
+              <a:t>동일한 </a:t>
+            </a:r>
+            <a:r>
+              <a:rPr lang="ko-KR" altLang="en-US" dirty="0" err="1" smtClean="0"/>
+              <a:t>파라미터로</a:t>
+            </a:r>
+            <a:r>
+              <a:rPr lang="ko-KR" altLang="en-US" dirty="0" smtClean="0"/>
+              <a:t> 복수개의 </a:t>
+            </a:r>
+            <a:r>
+              <a:rPr lang="ko-KR" altLang="en-US" dirty="0" err="1" smtClean="0"/>
+              <a:t>파라미터를</a:t>
+            </a:r>
+            <a:r>
+              <a:rPr lang="ko-KR" altLang="en-US" dirty="0" smtClean="0"/>
+              <a:t> 클라이언트에서 </a:t>
+            </a:r>
+            <a:r>
+              <a:rPr lang="ko-KR" altLang="en-US" dirty="0" err="1" smtClean="0"/>
+              <a:t>보낼시</a:t>
+            </a:r>
+            <a:endParaRPr lang="en-US" altLang="ko-KR" dirty="0"/>
+          </a:p>
+          <a:p>
+            <a:r>
+              <a:rPr lang="ko-KR" altLang="en-US" dirty="0" smtClean="0"/>
+              <a:t>배열이나 </a:t>
+            </a:r>
+            <a:r>
+              <a:rPr lang="en-US" altLang="ko-KR" dirty="0" smtClean="0"/>
+              <a:t>List</a:t>
+            </a:r>
+            <a:r>
+              <a:rPr lang="ko-KR" altLang="en-US" dirty="0" smtClean="0"/>
+              <a:t>로 처리</a:t>
+            </a:r>
+            <a:endParaRPr lang="en-US" altLang="ko-KR" dirty="0" smtClean="0"/>
+          </a:p>
+          <a:p>
+            <a:endParaRPr lang="en-US" altLang="ko-KR" dirty="0" smtClean="0"/>
+          </a:p>
+          <a:p>
+            <a:r>
+              <a:rPr lang="en-US" altLang="ko-KR" dirty="0" smtClean="0"/>
+              <a:t>public </a:t>
+            </a:r>
+            <a:r>
+              <a:rPr lang="en-US" altLang="ko-KR" dirty="0" smtClean="0"/>
+              <a:t>String ex02List(@</a:t>
+            </a:r>
+            <a:r>
+              <a:rPr lang="en-US" altLang="ko-KR" dirty="0" err="1" smtClean="0"/>
+              <a:t>RequestParam</a:t>
+            </a:r>
+            <a:r>
+              <a:rPr lang="en-US" altLang="ko-KR" dirty="0" smtClean="0"/>
+              <a:t>("ids") String[ ] ids</a:t>
+            </a:r>
+            <a:r>
+              <a:rPr lang="en-US" altLang="ko-KR" dirty="0" smtClean="0"/>
+              <a:t>)</a:t>
+            </a:r>
+          </a:p>
+          <a:p>
+            <a:r>
+              <a:rPr lang="en-US" altLang="ko-KR" dirty="0" smtClean="0"/>
               <a:t> </a:t>
             </a:r>
-            <a:r>
-              <a:rPr lang="ko-KR" altLang="en-US" smtClean="0"/>
-              <a:t>배열</a:t>
-            </a:r>
-            <a:endParaRPr lang="en-US" altLang="ko-KR" smtClean="0"/>
-          </a:p>
-          <a:p>
-            <a:r>
-              <a:rPr lang="en-US" altLang="ko-KR" smtClean="0"/>
-              <a:t>public String ex02List(@RequestParam("ids") String[ ] ids) </a:t>
-            </a:r>
-            <a:endParaRPr lang="ko-KR" altLang="en-US"/>
+            <a:endParaRPr lang="ko-KR" altLang="en-US" dirty="0"/>
           </a:p>
         </p:txBody>
       </p:sp>
@@ -8443,7 +8732,7 @@
         </p:nvSpPr>
         <p:spPr>
           <a:xfrm>
-            <a:off x="1489841" y="4414345"/>
+            <a:off x="1388825" y="4832076"/>
             <a:ext cx="4788170" cy="369332"/>
           </a:xfrm>
           <a:prstGeom prst="rect">
@@ -8458,10 +8747,18 @@
           <a:lstStyle/>
           <a:p>
             <a:r>
-              <a:rPr lang="en-US" altLang="ko-KR" smtClean="0"/>
-              <a:t>Log.info(“array ids : “ + Arrays.toString(ids));</a:t>
-            </a:r>
-            <a:endParaRPr lang="ko-KR" altLang="en-US"/>
+              <a:rPr lang="en-US" altLang="ko-KR" dirty="0" smtClean="0"/>
+              <a:t>Log.info(“array ids : “ + </a:t>
+            </a:r>
+            <a:r>
+              <a:rPr lang="en-US" altLang="ko-KR" dirty="0" err="1" smtClean="0"/>
+              <a:t>Arrays.toString</a:t>
+            </a:r>
+            <a:r>
+              <a:rPr lang="en-US" altLang="ko-KR" dirty="0" smtClean="0"/>
+              <a:t>(ids));</a:t>
+            </a:r>
+            <a:endParaRPr lang="ko-KR" altLang="en-US" dirty="0"/>
           </a:p>
         </p:txBody>
       </p:sp>
@@ -8867,7 +9164,7 @@
         </p:nvSpPr>
         <p:spPr>
           <a:xfrm>
-            <a:off x="628649" y="365127"/>
+            <a:off x="491489" y="296547"/>
             <a:ext cx="7921461" cy="1077728"/>
           </a:xfrm>
         </p:spPr>
@@ -8914,7 +9211,7 @@
             </a:r>
             <a:r>
               <a:rPr lang="en-US" altLang="ko-KR" sz="2000" dirty="0" smtClean="0"/>
-              <a:t>,</a:t>
+              <a:t>, </a:t>
             </a:r>
             <a:r>
               <a:rPr lang="ko-KR" altLang="en-US" sz="2000" dirty="0" err="1" smtClean="0"/>
@@ -8961,7 +9258,7 @@
             </a:r>
             <a:r>
               <a:rPr lang="ko-KR" altLang="en-US" sz="2000" dirty="0" err="1" smtClean="0"/>
-              <a:t>파라메터간</a:t>
+              <a:t>파라미터간</a:t>
             </a:r>
             <a:r>
               <a:rPr lang="ko-KR" altLang="en-US" sz="2000" dirty="0" smtClean="0"/>
@@ -8998,7 +9295,7 @@
         <p:spPr>
           <a:xfrm>
             <a:off x="376980" y="3196206"/>
-            <a:ext cx="7956315" cy="3108543"/>
+            <a:ext cx="7956315" cy="3970318"/>
           </a:xfrm>
           <a:prstGeom prst="rect">
             <a:avLst/>
@@ -9025,129 +9322,386 @@
           <a:lstStyle/>
           <a:p>
             <a:r>
-              <a:rPr lang="en-US" altLang="ko-KR" sz="1400"/>
+              <a:rPr lang="en-US" altLang="ko-KR" sz="1400" dirty="0"/>
               <a:t>@</a:t>
             </a:r>
             <a:r>
-              <a:rPr lang="en-US" altLang="ko-KR" sz="1400" smtClean="0"/>
-              <a:t>InitBinder //</a:t>
-            </a:r>
-            <a:r>
-              <a:rPr lang="ko-KR" altLang="en-US" sz="1400" smtClean="0"/>
+              <a:rPr lang="en-US" altLang="ko-KR" sz="1400" dirty="0" err="1" smtClean="0"/>
+              <a:t>InitBinder</a:t>
+            </a:r>
+            <a:r>
+              <a:rPr lang="en-US" altLang="ko-KR" sz="1400" dirty="0" smtClean="0"/>
+              <a:t> //</a:t>
+            </a:r>
+            <a:r>
+              <a:rPr lang="ko-KR" altLang="en-US" sz="1400" dirty="0" smtClean="0"/>
               <a:t>저동 변환이 필요시 자동 호출되며 정해진 폼으로 변환</a:t>
             </a:r>
-            <a:endParaRPr lang="ko-KR" altLang="ko-KR" sz="1400"/>
-          </a:p>
-          <a:p>
-            <a:r>
-              <a:rPr lang="en-US" altLang="ko-KR" sz="1400"/>
-              <a:t>  public void initBinder(WebDataBinder binder) {</a:t>
-            </a:r>
-            <a:endParaRPr lang="ko-KR" altLang="ko-KR" sz="1400"/>
-          </a:p>
-          <a:p>
-            <a:r>
-              <a:rPr lang="en-US" altLang="ko-KR" sz="1400"/>
-              <a:t>    SimpleDateFormat dateFormat = new SimpleDateFormat("yyyy-MM-dd");</a:t>
-            </a:r>
-            <a:endParaRPr lang="ko-KR" altLang="ko-KR" sz="1400"/>
-          </a:p>
-          <a:p>
-            <a:r>
-              <a:rPr lang="en-US" altLang="ko-KR" sz="1400"/>
-              <a:t>    binder.registerCustomEditor(Date.class, new CustomDateEditor(dateFormat, false));</a:t>
-            </a:r>
-            <a:endParaRPr lang="ko-KR" altLang="ko-KR" sz="1400"/>
-          </a:p>
-          <a:p>
-            <a:r>
-              <a:rPr lang="en-US" altLang="ko-KR" sz="1400"/>
+            <a:endParaRPr lang="ko-KR" altLang="ko-KR" sz="1400" dirty="0"/>
+          </a:p>
+          <a:p>
+            <a:r>
+              <a:rPr lang="en-US" altLang="ko-KR" sz="1400" dirty="0"/>
+              <a:t>  public void </a:t>
+            </a:r>
+            <a:r>
+              <a:rPr lang="en-US" altLang="ko-KR" sz="1400" dirty="0" err="1"/>
+              <a:t>initBinder</a:t>
+            </a:r>
+            <a:r>
+              <a:rPr lang="en-US" altLang="ko-KR" sz="1400" dirty="0"/>
+              <a:t>(</a:t>
+            </a:r>
+            <a:r>
+              <a:rPr lang="en-US" altLang="ko-KR" sz="1400" dirty="0" err="1"/>
+              <a:t>WebDataBinder</a:t>
+            </a:r>
+            <a:r>
+              <a:rPr lang="en-US" altLang="ko-KR" sz="1400" dirty="0"/>
+              <a:t> binder) {</a:t>
+            </a:r>
+            <a:endParaRPr lang="ko-KR" altLang="ko-KR" sz="1400" dirty="0"/>
+          </a:p>
+          <a:p>
+            <a:r>
+              <a:rPr lang="en-US" altLang="ko-KR" sz="1400" dirty="0"/>
+              <a:t>    </a:t>
+            </a:r>
+            <a:r>
+              <a:rPr lang="en-US" altLang="ko-KR" sz="1400" dirty="0" err="1"/>
+              <a:t>SimpleDateFormat</a:t>
+            </a:r>
+            <a:r>
+              <a:rPr lang="en-US" altLang="ko-KR" sz="1400" dirty="0"/>
+              <a:t> </a:t>
+            </a:r>
+            <a:r>
+              <a:rPr lang="en-US" altLang="ko-KR" sz="1400" dirty="0" err="1"/>
+              <a:t>dateFormat</a:t>
+            </a:r>
+            <a:r>
+              <a:rPr lang="en-US" altLang="ko-KR" sz="1400" dirty="0"/>
+              <a:t> = new </a:t>
+            </a:r>
+            <a:r>
+              <a:rPr lang="en-US" altLang="ko-KR" sz="1400" dirty="0" err="1"/>
+              <a:t>SimpleDateFormat</a:t>
+            </a:r>
+            <a:r>
+              <a:rPr lang="en-US" altLang="ko-KR" sz="1400" dirty="0"/>
+              <a:t>("</a:t>
+            </a:r>
+            <a:r>
+              <a:rPr lang="en-US" altLang="ko-KR" sz="1400" dirty="0" err="1"/>
+              <a:t>yyyy</a:t>
+            </a:r>
+            <a:r>
+              <a:rPr lang="en-US" altLang="ko-KR" sz="1400" dirty="0"/>
+              <a:t>-MM-</a:t>
+            </a:r>
+            <a:r>
+              <a:rPr lang="en-US" altLang="ko-KR" sz="1400" dirty="0" err="1"/>
+              <a:t>dd</a:t>
+            </a:r>
+            <a:r>
+              <a:rPr lang="en-US" altLang="ko-KR" sz="1400" dirty="0"/>
+              <a:t>");</a:t>
+            </a:r>
+            <a:endParaRPr lang="ko-KR" altLang="ko-KR" sz="1400" dirty="0"/>
+          </a:p>
+          <a:p>
+            <a:r>
+              <a:rPr lang="en-US" altLang="ko-KR" sz="1400" dirty="0"/>
+              <a:t>    </a:t>
+            </a:r>
+            <a:r>
+              <a:rPr lang="en-US" altLang="ko-KR" sz="1400" dirty="0" err="1"/>
+              <a:t>binder.registerCustomEditor</a:t>
+            </a:r>
+            <a:r>
+              <a:rPr lang="en-US" altLang="ko-KR" sz="1400" dirty="0"/>
+              <a:t>(</a:t>
+            </a:r>
+            <a:r>
+              <a:rPr lang="en-US" altLang="ko-KR" sz="1400" dirty="0" err="1"/>
+              <a:t>Date.class</a:t>
+            </a:r>
+            <a:r>
+              <a:rPr lang="en-US" altLang="ko-KR" sz="1400" dirty="0"/>
+              <a:t>, new </a:t>
+            </a:r>
+            <a:r>
+              <a:rPr lang="en-US" altLang="ko-KR" sz="1400" dirty="0" err="1"/>
+              <a:t>CustomDateEditor</a:t>
+            </a:r>
+            <a:r>
+              <a:rPr lang="en-US" altLang="ko-KR" sz="1400" dirty="0"/>
+              <a:t>(</a:t>
+            </a:r>
+            <a:r>
+              <a:rPr lang="en-US" altLang="ko-KR" sz="1400" dirty="0" err="1"/>
+              <a:t>dateFormat</a:t>
+            </a:r>
+            <a:r>
+              <a:rPr lang="en-US" altLang="ko-KR" sz="1400" dirty="0"/>
+              <a:t>, false));</a:t>
+            </a:r>
+            <a:endParaRPr lang="ko-KR" altLang="ko-KR" sz="1400" dirty="0"/>
+          </a:p>
+          <a:p>
+            <a:r>
+              <a:rPr lang="en-US" altLang="ko-KR" sz="1400" dirty="0"/>
               <a:t>  }</a:t>
             </a:r>
-            <a:endParaRPr lang="ko-KR" altLang="ko-KR" sz="1400"/>
-          </a:p>
-          <a:p>
-            <a:r>
-              <a:rPr lang="en-US" altLang="ko-KR" sz="1400"/>
+            <a:endParaRPr lang="ko-KR" altLang="ko-KR" sz="1400" dirty="0"/>
+          </a:p>
+          <a:p>
+            <a:r>
+              <a:rPr lang="en-US" altLang="ko-KR" sz="1400" dirty="0"/>
               <a:t> </a:t>
             </a:r>
-            <a:endParaRPr lang="ko-KR" altLang="ko-KR" sz="1400"/>
-          </a:p>
-          <a:p>
-            <a:r>
-              <a:rPr lang="en-US" altLang="ko-KR" sz="1400"/>
+            <a:endParaRPr lang="ko-KR" altLang="ko-KR" sz="1400" dirty="0"/>
+          </a:p>
+          <a:p>
+            <a:r>
+              <a:rPr lang="en-US" altLang="ko-KR" sz="1400" dirty="0"/>
               <a:t>…</a:t>
             </a:r>
             <a:r>
-              <a:rPr lang="ko-KR" altLang="ko-KR" sz="1400"/>
+              <a:rPr lang="ko-KR" altLang="ko-KR" sz="1400" dirty="0"/>
               <a:t>생략</a:t>
             </a:r>
             <a:r>
-              <a:rPr lang="en-US" altLang="ko-KR" sz="1400"/>
+              <a:rPr lang="en-US" altLang="ko-KR" sz="1400" dirty="0"/>
               <a:t>…</a:t>
             </a:r>
-            <a:endParaRPr lang="ko-KR" altLang="ko-KR" sz="1400"/>
-          </a:p>
-          <a:p>
-            <a:r>
-              <a:rPr lang="en-US" altLang="ko-KR" sz="1400"/>
+            <a:endParaRPr lang="ko-KR" altLang="ko-KR" sz="1400" dirty="0"/>
+          </a:p>
+          <a:p>
+            <a:r>
+              <a:rPr lang="en-US" altLang="ko-KR" sz="1400" dirty="0"/>
               <a:t> </a:t>
             </a:r>
-            <a:endParaRPr lang="ko-KR" altLang="ko-KR" sz="1400"/>
-          </a:p>
-          <a:p>
-            <a:r>
-              <a:rPr lang="en-US" altLang="ko-KR" sz="1400"/>
-              <a:t>  @GetMapping("/ex03")</a:t>
-            </a:r>
-            <a:endParaRPr lang="ko-KR" altLang="ko-KR" sz="1400"/>
-          </a:p>
-          <a:p>
-            <a:r>
-              <a:rPr lang="en-US" altLang="ko-KR" sz="1400"/>
-              <a:t>  public String ex03(TodoDTO todo) </a:t>
-            </a:r>
-            <a:r>
-              <a:rPr lang="en-US" altLang="ko-KR" sz="1400" smtClean="0"/>
-              <a:t>{ //dto</a:t>
-            </a:r>
-            <a:r>
-              <a:rPr lang="ko-KR" altLang="en-US" sz="1400" smtClean="0"/>
-              <a:t>로 데이터 수집시 형변환 필요시 </a:t>
-            </a:r>
-            <a:r>
-              <a:rPr lang="en-US" altLang="ko-KR" sz="1400" smtClean="0"/>
-              <a:t>@InitBinder</a:t>
-            </a:r>
-            <a:r>
-              <a:rPr lang="ko-KR" altLang="en-US" sz="1400" smtClean="0"/>
+            <a:endParaRPr lang="ko-KR" altLang="ko-KR" sz="1400" dirty="0"/>
+          </a:p>
+          <a:p>
+            <a:r>
+              <a:rPr lang="en-US" altLang="ko-KR" sz="1400" dirty="0"/>
+              <a:t>  @</a:t>
+            </a:r>
+            <a:r>
+              <a:rPr lang="en-US" altLang="ko-KR" sz="1400" dirty="0" err="1"/>
+              <a:t>GetMapping</a:t>
+            </a:r>
+            <a:r>
+              <a:rPr lang="en-US" altLang="ko-KR" sz="1400" dirty="0"/>
+              <a:t>("/ex03")</a:t>
+            </a:r>
+            <a:endParaRPr lang="ko-KR" altLang="ko-KR" sz="1400" dirty="0"/>
+          </a:p>
+          <a:p>
+            <a:r>
+              <a:rPr lang="en-US" altLang="ko-KR" sz="1400" dirty="0"/>
+              <a:t>  public String ex03(</a:t>
+            </a:r>
+            <a:r>
+              <a:rPr lang="en-US" altLang="ko-KR" sz="1400" dirty="0" err="1"/>
+              <a:t>TodoDTO</a:t>
+            </a:r>
+            <a:r>
+              <a:rPr lang="en-US" altLang="ko-KR" sz="1400" dirty="0"/>
+              <a:t> </a:t>
+            </a:r>
+            <a:r>
+              <a:rPr lang="en-US" altLang="ko-KR" sz="1400" dirty="0" err="1"/>
+              <a:t>todo</a:t>
+            </a:r>
+            <a:r>
+              <a:rPr lang="en-US" altLang="ko-KR" sz="1400" dirty="0"/>
+              <a:t>) </a:t>
+            </a:r>
+            <a:r>
+              <a:rPr lang="en-US" altLang="ko-KR" sz="1400" dirty="0" smtClean="0"/>
+              <a:t>{ //</a:t>
+            </a:r>
+            <a:r>
+              <a:rPr lang="en-US" altLang="ko-KR" sz="1400" dirty="0" err="1" smtClean="0"/>
+              <a:t>dto</a:t>
+            </a:r>
+            <a:r>
+              <a:rPr lang="ko-KR" altLang="en-US" sz="1400" dirty="0" smtClean="0"/>
+              <a:t>로 데이터 </a:t>
+            </a:r>
+            <a:r>
+              <a:rPr lang="ko-KR" altLang="en-US" sz="1400" dirty="0" err="1" smtClean="0"/>
+              <a:t>수집시</a:t>
+            </a:r>
+            <a:r>
+              <a:rPr lang="ko-KR" altLang="en-US" sz="1400" dirty="0" smtClean="0"/>
+              <a:t> </a:t>
+            </a:r>
+            <a:r>
+              <a:rPr lang="ko-KR" altLang="en-US" sz="1400" dirty="0" err="1" smtClean="0"/>
+              <a:t>형변환</a:t>
+            </a:r>
+            <a:r>
+              <a:rPr lang="ko-KR" altLang="en-US" sz="1400" dirty="0" smtClean="0"/>
+              <a:t> 필요시 </a:t>
+            </a:r>
+            <a:r>
+              <a:rPr lang="en-US" altLang="ko-KR" sz="1400" dirty="0" smtClean="0"/>
+              <a:t>@</a:t>
+            </a:r>
+            <a:r>
+              <a:rPr lang="en-US" altLang="ko-KR" sz="1400" dirty="0" err="1" smtClean="0"/>
+              <a:t>InitBinder</a:t>
+            </a:r>
+            <a:r>
+              <a:rPr lang="ko-KR" altLang="en-US" sz="1400" dirty="0" smtClean="0"/>
               <a:t>사용</a:t>
             </a:r>
-            <a:endParaRPr lang="ko-KR" altLang="ko-KR" sz="1400"/>
-          </a:p>
-          <a:p>
-            <a:r>
-              <a:rPr lang="en-US" altLang="ko-KR" sz="1400"/>
-              <a:t>    log.info("todo: " + todo);</a:t>
-            </a:r>
-            <a:endParaRPr lang="ko-KR" altLang="ko-KR" sz="1400"/>
-          </a:p>
-          <a:p>
-            <a:r>
-              <a:rPr lang="en-US" altLang="ko-KR" sz="1400"/>
+            <a:endParaRPr lang="ko-KR" altLang="ko-KR" sz="1400" dirty="0"/>
+          </a:p>
+          <a:p>
+            <a:r>
+              <a:rPr lang="en-US" altLang="ko-KR" sz="1400" dirty="0"/>
+              <a:t>    log.info("</a:t>
+            </a:r>
+            <a:r>
+              <a:rPr lang="en-US" altLang="ko-KR" sz="1400" dirty="0" err="1"/>
+              <a:t>todo</a:t>
+            </a:r>
+            <a:r>
+              <a:rPr lang="en-US" altLang="ko-KR" sz="1400" dirty="0"/>
+              <a:t>: " + </a:t>
+            </a:r>
+            <a:r>
+              <a:rPr lang="en-US" altLang="ko-KR" sz="1400" dirty="0" err="1"/>
+              <a:t>todo</a:t>
+            </a:r>
+            <a:r>
+              <a:rPr lang="en-US" altLang="ko-KR" sz="1400" dirty="0"/>
+              <a:t>);</a:t>
+            </a:r>
+            <a:endParaRPr lang="ko-KR" altLang="ko-KR" sz="1400" dirty="0"/>
+          </a:p>
+          <a:p>
+            <a:r>
+              <a:rPr lang="en-US" altLang="ko-KR" sz="1400" dirty="0"/>
               <a:t>    return "ex02";</a:t>
             </a:r>
-            <a:endParaRPr lang="ko-KR" altLang="ko-KR" sz="1400"/>
-          </a:p>
-          <a:p>
-            <a:r>
-              <a:rPr lang="en-US" altLang="ko-KR" sz="1400"/>
-              <a:t>  }</a:t>
-            </a:r>
-            <a:endParaRPr lang="ko-KR" altLang="ko-KR" sz="1400"/>
-          </a:p>
-          <a:p>
-            <a:endParaRPr lang="ko-KR" altLang="en-US" sz="1400"/>
+            <a:endParaRPr lang="ko-KR" altLang="ko-KR" sz="1400" dirty="0"/>
+          </a:p>
+          <a:p>
+            <a:r>
+              <a:rPr lang="en-US" altLang="ko-KR" sz="1400" dirty="0"/>
+              <a:t>  </a:t>
+            </a:r>
+            <a:r>
+              <a:rPr lang="en-US" altLang="ko-KR" sz="1400" dirty="0" smtClean="0"/>
+              <a:t>}</a:t>
+            </a:r>
+            <a:br>
+              <a:rPr lang="en-US" altLang="ko-KR" sz="1400" dirty="0" smtClean="0"/>
+            </a:br>
+            <a:r>
+              <a:rPr lang="en-US" altLang="ko-KR" sz="1400" dirty="0" smtClean="0"/>
+              <a:t/>
+            </a:r>
+            <a:br>
+              <a:rPr lang="en-US" altLang="ko-KR" sz="1400" dirty="0" smtClean="0"/>
+            </a:br>
+            <a:r>
+              <a:rPr lang="ko-KR" altLang="en-US" sz="1400" dirty="0" smtClean="0"/>
+              <a:t>처리를 안하면 </a:t>
+            </a:r>
+            <a:r>
+              <a:rPr lang="en-US" altLang="ko-KR" sz="1400" dirty="0" smtClean="0"/>
+              <a:t>400</a:t>
+            </a:r>
+            <a:r>
+              <a:rPr lang="ko-KR" altLang="en-US" sz="1400" dirty="0" smtClean="0"/>
+              <a:t>에러</a:t>
+            </a:r>
+            <a:r>
+              <a:rPr lang="en-US" altLang="ko-KR" sz="1400" dirty="0" smtClean="0"/>
+              <a:t>(</a:t>
+            </a:r>
+            <a:r>
+              <a:rPr lang="ko-KR" altLang="en-US" sz="1400" dirty="0" smtClean="0"/>
+              <a:t>요청 구문 에러</a:t>
+            </a:r>
+            <a:r>
+              <a:rPr lang="en-US" altLang="ko-KR" sz="1400" dirty="0" smtClean="0"/>
+              <a:t>)</a:t>
+            </a:r>
+            <a:r>
+              <a:rPr lang="ko-KR" altLang="en-US" sz="1400" dirty="0" smtClean="0"/>
+              <a:t>발생</a:t>
+            </a:r>
+            <a:r>
+              <a:rPr lang="en-US" altLang="ko-KR" sz="1400" dirty="0" smtClean="0"/>
+              <a:t/>
+            </a:r>
+            <a:br>
+              <a:rPr lang="en-US" altLang="ko-KR" sz="1400" dirty="0" smtClean="0"/>
+            </a:br>
+            <a:r>
+              <a:rPr lang="ko-KR" altLang="en-US" sz="1400" dirty="0" smtClean="0"/>
+              <a:t>이유는</a:t>
+            </a:r>
+            <a:r>
+              <a:rPr lang="en-US" altLang="ko-KR" sz="1400" dirty="0" smtClean="0"/>
+              <a:t>, </a:t>
+            </a:r>
+            <a:r>
+              <a:rPr lang="ko-KR" altLang="en-US" sz="1400" dirty="0" smtClean="0"/>
+              <a:t>문자열로 </a:t>
+            </a:r>
+            <a:r>
+              <a:rPr lang="ko-KR" altLang="en-US" sz="1400" dirty="0" err="1" smtClean="0"/>
+              <a:t>파라미터가</a:t>
+            </a:r>
+            <a:r>
+              <a:rPr lang="ko-KR" altLang="en-US" sz="1400" dirty="0" smtClean="0"/>
+              <a:t> 오는데 실제 서버에서 처리하는 </a:t>
+            </a:r>
+            <a:r>
+              <a:rPr lang="ko-KR" altLang="en-US" sz="1400" dirty="0" err="1" smtClean="0"/>
+              <a:t>데이터형은</a:t>
+            </a:r>
+            <a:r>
+              <a:rPr lang="ko-KR" altLang="en-US" sz="1400" dirty="0" smtClean="0"/>
+              <a:t> 자동 </a:t>
+            </a:r>
+            <a:r>
+              <a:rPr lang="ko-KR" altLang="en-US" sz="1400" dirty="0" err="1" smtClean="0"/>
+              <a:t>형변환이</a:t>
+            </a:r>
+            <a:r>
+              <a:rPr lang="ko-KR" altLang="en-US" sz="1400" dirty="0" smtClean="0"/>
+              <a:t> 되지 않는 </a:t>
+            </a:r>
+            <a:r>
+              <a:rPr lang="en-US" altLang="ko-KR" sz="1400" dirty="0" smtClean="0"/>
+              <a:t>Date</a:t>
+            </a:r>
+            <a:r>
+              <a:rPr lang="ko-KR" altLang="en-US" sz="1400" dirty="0" err="1" smtClean="0"/>
+              <a:t>형이라서</a:t>
+            </a:r>
+            <a:r>
+              <a:rPr lang="ko-KR" altLang="en-US" sz="1400" dirty="0" smtClean="0"/>
+              <a:t> 에러가 발생한다</a:t>
+            </a:r>
+            <a:r>
+              <a:rPr lang="en-US" altLang="ko-KR" sz="1400" dirty="0" smtClean="0"/>
+              <a:t>.</a:t>
+            </a:r>
+            <a:endParaRPr lang="ko-KR" altLang="ko-KR" sz="1400" dirty="0"/>
+          </a:p>
+          <a:p>
+            <a:endParaRPr lang="ko-KR" altLang="en-US" sz="1400" dirty="0"/>
           </a:p>
         </p:txBody>
       </p:sp>
@@ -9193,57 +9747,81 @@
           <a:lstStyle/>
           <a:p>
             <a:r>
-              <a:rPr lang="en-US" altLang="ko-KR" sz="1400"/>
-              <a:t>public class TodoDTO {</a:t>
-            </a:r>
-            <a:endParaRPr lang="ko-KR" altLang="ko-KR" sz="1400"/>
-          </a:p>
-          <a:p>
-            <a:r>
-              <a:rPr lang="en-US" altLang="ko-KR" sz="1400"/>
+              <a:rPr lang="en-US" altLang="ko-KR" sz="1400" dirty="0"/>
+              <a:t>public class </a:t>
+            </a:r>
+            <a:r>
+              <a:rPr lang="en-US" altLang="ko-KR" sz="1400" dirty="0" err="1"/>
+              <a:t>TodoDTO</a:t>
+            </a:r>
+            <a:r>
+              <a:rPr lang="en-US" altLang="ko-KR" sz="1400" dirty="0"/>
+              <a:t> {</a:t>
+            </a:r>
+            <a:endParaRPr lang="ko-KR" altLang="ko-KR" sz="1400" dirty="0"/>
+          </a:p>
+          <a:p>
+            <a:r>
+              <a:rPr lang="en-US" altLang="ko-KR" sz="1400" dirty="0"/>
               <a:t> </a:t>
             </a:r>
-            <a:endParaRPr lang="ko-KR" altLang="ko-KR" sz="1400"/>
-          </a:p>
-          <a:p>
-            <a:r>
-              <a:rPr lang="en-US" altLang="ko-KR" sz="1400"/>
+            <a:endParaRPr lang="ko-KR" altLang="ko-KR" sz="1400" dirty="0"/>
+          </a:p>
+          <a:p>
+            <a:r>
+              <a:rPr lang="en-US" altLang="ko-KR" sz="1400" dirty="0"/>
               <a:t>  private String title;</a:t>
             </a:r>
-            <a:endParaRPr lang="ko-KR" altLang="ko-KR" sz="1400"/>
-          </a:p>
-          <a:p>
-            <a:r>
-              <a:rPr lang="en-US" altLang="ko-KR" sz="1400"/>
-              <a:t>  private Date dueDate; //</a:t>
-            </a:r>
-            <a:r>
-              <a:rPr lang="ko-KR" altLang="en-US" sz="1400"/>
+            <a:endParaRPr lang="ko-KR" altLang="ko-KR" sz="1400" dirty="0"/>
+          </a:p>
+          <a:p>
+            <a:r>
+              <a:rPr lang="en-US" altLang="ko-KR" sz="1400" dirty="0"/>
+              <a:t>  private Date </a:t>
+            </a:r>
+            <a:r>
+              <a:rPr lang="en-US" altLang="ko-KR" sz="1400" dirty="0" err="1"/>
+              <a:t>dueDate</a:t>
+            </a:r>
+            <a:r>
+              <a:rPr lang="en-US" altLang="ko-KR" sz="1400" dirty="0"/>
+              <a:t>; //</a:t>
+            </a:r>
+            <a:r>
+              <a:rPr lang="ko-KR" altLang="en-US" sz="1400" dirty="0"/>
               <a:t>날짜 타입의 변환 </a:t>
             </a:r>
             <a:r>
-              <a:rPr lang="ko-KR" altLang="en-US" sz="1400" smtClean="0"/>
+              <a:rPr lang="ko-KR" altLang="en-US" sz="1400" dirty="0" smtClean="0"/>
               <a:t>필요</a:t>
             </a:r>
             <a:r>
-              <a:rPr lang="en-US" altLang="ko-KR" sz="1400" smtClean="0"/>
+              <a:rPr lang="en-US" altLang="ko-KR" sz="1400" dirty="0" smtClean="0"/>
               <a:t>-cli</a:t>
             </a:r>
             <a:r>
-              <a:rPr lang="ko-KR" altLang="en-US" sz="1400" smtClean="0"/>
-              <a:t>에서 보낼시는 문자열 </a:t>
-            </a:r>
-            <a:endParaRPr lang="ko-KR" altLang="ko-KR" sz="1400"/>
-          </a:p>
-          <a:p>
-            <a:r>
-              <a:rPr lang="en-US" altLang="ko-KR" sz="1400"/>
+              <a:rPr lang="ko-KR" altLang="en-US" sz="1400" dirty="0" smtClean="0"/>
+              <a:t>에서 </a:t>
+            </a:r>
+            <a:r>
+              <a:rPr lang="ko-KR" altLang="en-US" sz="1400" dirty="0" err="1" smtClean="0"/>
+              <a:t>보낼시는</a:t>
+            </a:r>
+            <a:r>
+              <a:rPr lang="ko-KR" altLang="en-US" sz="1400" dirty="0" smtClean="0"/>
+              <a:t> 문자열 </a:t>
+            </a:r>
+            <a:endParaRPr lang="ko-KR" altLang="ko-KR" sz="1400" dirty="0"/>
+          </a:p>
+          <a:p>
+            <a:r>
+              <a:rPr lang="en-US" altLang="ko-KR" sz="1400" dirty="0"/>
               <a:t>}</a:t>
             </a:r>
-            <a:endParaRPr lang="ko-KR" altLang="ko-KR" sz="1400"/>
-          </a:p>
-          <a:p>
-            <a:endParaRPr lang="ko-KR" altLang="en-US" sz="1400"/>
+            <a:endParaRPr lang="ko-KR" altLang="ko-KR" sz="1400" dirty="0"/>
+          </a:p>
+          <a:p>
+            <a:endParaRPr lang="ko-KR" altLang="en-US" sz="1400" dirty="0"/>
           </a:p>
         </p:txBody>
       </p:sp>
@@ -10843,7 +11421,25 @@
                 </a:solidFill>
                 <a:latin typeface="Consolas" panose="020B0609020204030204" pitchFamily="49" charset="0"/>
               </a:rPr>
-              <a:t> 규격은 빈 </a:t>
+              <a:t> 규격은 </a:t>
+            </a:r>
+            <a:r>
+              <a:rPr lang="ko-KR" altLang="en-US" sz="2400" dirty="0" smtClean="0">
+                <a:solidFill>
+                  <a:srgbClr val="000000"/>
+                </a:solidFill>
+                <a:latin typeface="Consolas" panose="020B0609020204030204" pitchFamily="49" charset="0"/>
+              </a:rPr>
+              <a:t>기본</a:t>
+            </a:r>
+            <a:r>
+              <a:rPr lang="ko-KR" altLang="en-US" sz="2400" dirty="0" smtClean="0">
+                <a:solidFill>
+                  <a:srgbClr val="000000"/>
+                </a:solidFill>
+                <a:latin typeface="Consolas" panose="020B0609020204030204" pitchFamily="49" charset="0"/>
+              </a:rPr>
+              <a:t> </a:t>
             </a:r>
             <a:r>
               <a:rPr lang="ko-KR" altLang="en-US" sz="2400" dirty="0" err="1" smtClean="0">
@@ -10870,7 +11466,7 @@
                 </a:solidFill>
                 <a:latin typeface="Consolas" panose="020B0609020204030204" pitchFamily="49" charset="0"/>
               </a:rPr>
-              <a:t>없거나</a:t>
+              <a:t>묵시적</a:t>
             </a:r>
             <a:r>
               <a:rPr lang="en-US" altLang="ko-KR" sz="2400" dirty="0" smtClean="0">
@@ -10941,7 +11537,16 @@
                 </a:solidFill>
                 <a:latin typeface="Consolas" panose="020B0609020204030204" pitchFamily="49" charset="0"/>
               </a:rPr>
-              <a:t>가진 빈 클래스의 객체를 말함</a:t>
+              <a:t>가진 </a:t>
+            </a:r>
+            <a:r>
+              <a:rPr lang="ko-KR" altLang="en-US" sz="2400" dirty="0" smtClean="0">
+                <a:solidFill>
+                  <a:srgbClr val="000000"/>
+                </a:solidFill>
+                <a:latin typeface="Consolas" panose="020B0609020204030204" pitchFamily="49" charset="0"/>
+              </a:rPr>
+              <a:t>빈 클래스의 객체를 말함</a:t>
             </a:r>
             <a:endParaRPr lang="en-US" altLang="ko-KR" sz="2400" dirty="0" smtClean="0">
               <a:solidFill>
@@ -11016,6 +11621,44 @@
                 <a:latin typeface="Consolas" panose="020B0609020204030204" pitchFamily="49" charset="0"/>
               </a:rPr>
               <a:t> </a:t>
+            </a:r>
+            <a:endParaRPr lang="en-US" altLang="ko-KR" sz="2400" dirty="0" smtClean="0">
+              <a:solidFill>
+                <a:srgbClr val="000000"/>
+              </a:solidFill>
+              <a:latin typeface="Consolas" panose="020B0609020204030204" pitchFamily="49" charset="0"/>
+            </a:endParaRPr>
+          </a:p>
+          <a:p>
+            <a:pPr marL="0" indent="0">
+              <a:buNone/>
+            </a:pPr>
+            <a:r>
+              <a:rPr lang="en-US" altLang="ko-KR" sz="2400" dirty="0" smtClean="0">
+                <a:solidFill>
+                  <a:srgbClr val="000000"/>
+                </a:solidFill>
+                <a:latin typeface="Consolas" panose="020B0609020204030204" pitchFamily="49" charset="0"/>
+              </a:rPr>
+              <a:t>(</a:t>
+            </a:r>
+            <a:r>
+              <a:rPr lang="en-US" altLang="ko-KR" sz="2400" dirty="0" err="1" smtClean="0">
+                <a:solidFill>
+                  <a:srgbClr val="000000"/>
+                </a:solidFill>
+                <a:latin typeface="Consolas" panose="020B0609020204030204" pitchFamily="49" charset="0"/>
+              </a:rPr>
+              <a:t>sampleDTO</a:t>
+            </a:r>
+            <a:r>
+              <a:rPr lang="en-US" altLang="ko-KR" sz="2400" dirty="0" smtClean="0">
+                <a:solidFill>
+                  <a:srgbClr val="000000"/>
+                </a:solidFill>
+                <a:latin typeface="Consolas" panose="020B0609020204030204" pitchFamily="49" charset="0"/>
+              </a:rPr>
+              <a:t>)</a:t>
             </a:r>
             <a:endParaRPr lang="ko-KR" altLang="en-US" dirty="0"/>
           </a:p>
@@ -12019,14 +12662,54 @@
           <a:lstStyle/>
           <a:p>
             <a:r>
-              <a:rPr lang="en-US" altLang="ko-KR">
+              <a:rPr lang="en-US" altLang="ko-KR" dirty="0" err="1">
                 <a:latin typeface="맑은 고딕" panose="020B0503020000020004" pitchFamily="50" charset="-127"/>
                 <a:ea typeface="나눔명조" panose="02020603020101020101" pitchFamily="18" charset="-127"/>
                 <a:cs typeface="Arial" panose="020B0604020202020204" pitchFamily="34" charset="0"/>
               </a:rPr>
-              <a:t>response.sendRedirect("/home?name=aaa&amp;age=10"); </a:t>
-            </a:r>
-            <a:endParaRPr lang="ko-KR" altLang="en-US"/>
+              <a:t>response.sendRedirect</a:t>
+            </a:r>
+            <a:r>
+              <a:rPr lang="en-US" altLang="ko-KR" dirty="0">
+                <a:latin typeface="맑은 고딕" panose="020B0503020000020004" pitchFamily="50" charset="-127"/>
+                <a:ea typeface="나눔명조" panose="02020603020101020101" pitchFamily="18" charset="-127"/>
+                <a:cs typeface="Arial" panose="020B0604020202020204" pitchFamily="34" charset="0"/>
+              </a:rPr>
+              <a:t>("/</a:t>
+            </a:r>
+            <a:r>
+              <a:rPr lang="en-US" altLang="ko-KR" dirty="0" err="1">
+                <a:latin typeface="맑은 고딕" panose="020B0503020000020004" pitchFamily="50" charset="-127"/>
+                <a:ea typeface="나눔명조" panose="02020603020101020101" pitchFamily="18" charset="-127"/>
+                <a:cs typeface="Arial" panose="020B0604020202020204" pitchFamily="34" charset="0"/>
+              </a:rPr>
+              <a:t>home?name</a:t>
+            </a:r>
+            <a:r>
+              <a:rPr lang="en-US" altLang="ko-KR" dirty="0">
+                <a:latin typeface="맑은 고딕" panose="020B0503020000020004" pitchFamily="50" charset="-127"/>
+                <a:ea typeface="나눔명조" panose="02020603020101020101" pitchFamily="18" charset="-127"/>
+                <a:cs typeface="Arial" panose="020B0604020202020204" pitchFamily="34" charset="0"/>
+              </a:rPr>
+              <a:t>=</a:t>
+            </a:r>
+            <a:r>
+              <a:rPr lang="en-US" altLang="ko-KR" dirty="0" err="1">
+                <a:latin typeface="맑은 고딕" panose="020B0503020000020004" pitchFamily="50" charset="-127"/>
+                <a:ea typeface="나눔명조" panose="02020603020101020101" pitchFamily="18" charset="-127"/>
+                <a:cs typeface="Arial" panose="020B0604020202020204" pitchFamily="34" charset="0"/>
+              </a:rPr>
+              <a:t>aaa&amp;age</a:t>
+            </a:r>
+            <a:r>
+              <a:rPr lang="en-US" altLang="ko-KR" dirty="0">
+                <a:latin typeface="맑은 고딕" panose="020B0503020000020004" pitchFamily="50" charset="-127"/>
+                <a:ea typeface="나눔명조" panose="02020603020101020101" pitchFamily="18" charset="-127"/>
+                <a:cs typeface="Arial" panose="020B0604020202020204" pitchFamily="34" charset="0"/>
+              </a:rPr>
+              <a:t>=10"); </a:t>
+            </a:r>
+            <a:endParaRPr lang="ko-KR" altLang="en-US" dirty="0"/>
           </a:p>
         </p:txBody>
       </p:sp>
@@ -13006,11 +13689,63 @@
             </a:r>
             <a:r>
               <a:rPr lang="ko-KR" altLang="en-US" dirty="0" smtClean="0"/>
-              <a:t>서버에서 재 연결</a:t>
-            </a:r>
-            <a:endParaRPr lang="ko-KR" altLang="ko-KR" dirty="0"/>
-          </a:p>
-          <a:p>
+              <a:t>서버에서 재 </a:t>
+            </a:r>
+            <a:r>
+              <a:rPr lang="ko-KR" altLang="en-US" dirty="0" smtClean="0"/>
+              <a:t>연결</a:t>
+            </a:r>
+            <a:endParaRPr lang="en-US" altLang="ko-KR" dirty="0" smtClean="0"/>
+          </a:p>
+          <a:p>
+            <a:pPr lvl="1"/>
+            <a:r>
+              <a:rPr lang="ko-KR" altLang="en-US" dirty="0" smtClean="0"/>
+              <a:t>위의 </a:t>
+            </a:r>
+            <a:r>
+              <a:rPr lang="en-US" altLang="ko-KR" dirty="0" smtClean="0"/>
+              <a:t>redirect</a:t>
+            </a:r>
+            <a:r>
+              <a:rPr lang="ko-KR" altLang="en-US" dirty="0" smtClean="0"/>
+              <a:t>나 </a:t>
+            </a:r>
+            <a:r>
+              <a:rPr lang="en-US" altLang="ko-KR" dirty="0" smtClean="0"/>
+              <a:t>forward: </a:t>
+            </a:r>
+            <a:r>
+              <a:rPr lang="ko-KR" altLang="en-US" dirty="0" smtClean="0"/>
+              <a:t>방식이 아닌 문자열은</a:t>
+            </a:r>
+            <a:r>
+              <a:rPr lang="en-US" altLang="ko-KR" dirty="0" smtClean="0"/>
+              <a:t/>
+            </a:r>
+            <a:br>
+              <a:rPr lang="en-US" altLang="ko-KR" dirty="0" smtClean="0"/>
+            </a:br>
+            <a:r>
+              <a:rPr lang="ko-KR" altLang="en-US" dirty="0" smtClean="0"/>
+              <a:t>문자열</a:t>
+            </a:r>
+            <a:r>
+              <a:rPr lang="en-US" altLang="ko-KR" dirty="0" smtClean="0"/>
+              <a:t>.</a:t>
+            </a:r>
+            <a:r>
+              <a:rPr lang="en-US" altLang="ko-KR" dirty="0" err="1" smtClean="0"/>
+              <a:t>jsp</a:t>
+            </a:r>
+            <a:r>
+              <a:rPr lang="ko-KR" altLang="en-US" dirty="0" smtClean="0"/>
+              <a:t>페이지로 이동한다</a:t>
+            </a:r>
+            <a:r>
+              <a:rPr lang="en-US" altLang="ko-KR" dirty="0" smtClean="0"/>
+              <a:t>.</a:t>
+            </a:r>
             <a:endParaRPr lang="ko-KR" altLang="en-US" dirty="0"/>
           </a:p>
         </p:txBody>

--- a/spring - 학습자료/PART2.pptx
+++ b/spring - 학습자료/PART2.pptx
@@ -1810,7 +1810,7 @@
             <a:fld id="{48A87A34-81AB-432B-8DAE-1953F412C126}" type="datetimeFigureOut">
               <a:rPr lang="en-US" smtClean="0"/>
               <a:pPr/>
-              <a:t>4/18/2023</a:t>
+              <a:t>4/19/2023</a:t>
             </a:fld>
             <a:endParaRPr lang="en-US"/>
           </a:p>
@@ -2010,7 +2010,7 @@
             <a:fld id="{48A87A34-81AB-432B-8DAE-1953F412C126}" type="datetimeFigureOut">
               <a:rPr lang="en-US" smtClean="0"/>
               <a:pPr/>
-              <a:t>4/18/2023</a:t>
+              <a:t>4/19/2023</a:t>
             </a:fld>
             <a:endParaRPr lang="en-US"/>
           </a:p>
@@ -2220,7 +2220,7 @@
             <a:fld id="{48A87A34-81AB-432B-8DAE-1953F412C126}" type="datetimeFigureOut">
               <a:rPr lang="en-US" smtClean="0"/>
               <a:pPr/>
-              <a:t>4/18/2023</a:t>
+              <a:t>4/19/2023</a:t>
             </a:fld>
             <a:endParaRPr lang="en-US"/>
           </a:p>
@@ -2430,7 +2430,7 @@
             <a:fld id="{48A87A34-81AB-432B-8DAE-1953F412C126}" type="datetimeFigureOut">
               <a:rPr lang="en-US" smtClean="0"/>
               <a:pPr/>
-              <a:t>4/18/2023</a:t>
+              <a:t>4/19/2023</a:t>
             </a:fld>
             <a:endParaRPr lang="en-US"/>
           </a:p>
@@ -2707,7 +2707,7 @@
             <a:fld id="{48A87A34-81AB-432B-8DAE-1953F412C126}" type="datetimeFigureOut">
               <a:rPr lang="en-US" smtClean="0"/>
               <a:pPr/>
-              <a:t>4/18/2023</a:t>
+              <a:t>4/19/2023</a:t>
             </a:fld>
             <a:endParaRPr lang="en-US"/>
           </a:p>
@@ -2974,7 +2974,7 @@
             <a:fld id="{48A87A34-81AB-432B-8DAE-1953F412C126}" type="datetimeFigureOut">
               <a:rPr lang="en-US" smtClean="0"/>
               <a:pPr/>
-              <a:t>4/18/2023</a:t>
+              <a:t>4/19/2023</a:t>
             </a:fld>
             <a:endParaRPr lang="en-US"/>
           </a:p>
@@ -3388,7 +3388,7 @@
             <a:fld id="{48A87A34-81AB-432B-8DAE-1953F412C126}" type="datetimeFigureOut">
               <a:rPr lang="en-US" smtClean="0"/>
               <a:pPr/>
-              <a:t>4/18/2023</a:t>
+              <a:t>4/19/2023</a:t>
             </a:fld>
             <a:endParaRPr lang="en-US"/>
           </a:p>
@@ -3531,7 +3531,7 @@
             <a:fld id="{48A87A34-81AB-432B-8DAE-1953F412C126}" type="datetimeFigureOut">
               <a:rPr lang="en-US" smtClean="0"/>
               <a:pPr/>
-              <a:t>4/18/2023</a:t>
+              <a:t>4/19/2023</a:t>
             </a:fld>
             <a:endParaRPr lang="en-US"/>
           </a:p>
@@ -3646,7 +3646,7 @@
             <a:fld id="{48A87A34-81AB-432B-8DAE-1953F412C126}" type="datetimeFigureOut">
               <a:rPr lang="en-US" smtClean="0"/>
               <a:pPr/>
-              <a:t>4/18/2023</a:t>
+              <a:t>4/19/2023</a:t>
             </a:fld>
             <a:endParaRPr lang="en-US"/>
           </a:p>
@@ -3959,7 +3959,7 @@
             <a:fld id="{48A87A34-81AB-432B-8DAE-1953F412C126}" type="datetimeFigureOut">
               <a:rPr lang="en-US" smtClean="0"/>
               <a:pPr/>
-              <a:t>4/18/2023</a:t>
+              <a:t>4/19/2023</a:t>
             </a:fld>
             <a:endParaRPr lang="en-US"/>
           </a:p>
@@ -4249,7 +4249,7 @@
             <a:fld id="{48A87A34-81AB-432B-8DAE-1953F412C126}" type="datetimeFigureOut">
               <a:rPr lang="en-US" smtClean="0"/>
               <a:pPr/>
-              <a:t>4/18/2023</a:t>
+              <a:t>4/19/2023</a:t>
             </a:fld>
             <a:endParaRPr lang="en-US"/>
           </a:p>
@@ -4492,7 +4492,7 @@
             <a:fld id="{48A87A34-81AB-432B-8DAE-1953F412C126}" type="datetimeFigureOut">
               <a:rPr lang="en-US" smtClean="0"/>
               <a:pPr/>
-              <a:t>4/18/2023</a:t>
+              <a:t>4/19/2023</a:t>
             </a:fld>
             <a:endParaRPr lang="en-US"/>
           </a:p>
@@ -8696,11 +8696,7 @@
           <a:p>
             <a:r>
               <a:rPr lang="en-US" altLang="ko-KR" dirty="0" smtClean="0"/>
-              <a:t>public </a:t>
-            </a:r>
-            <a:r>
-              <a:rPr lang="en-US" altLang="ko-KR" dirty="0" smtClean="0"/>
-              <a:t>String ex02List(@</a:t>
+              <a:t>public String ex02List(@</a:t>
             </a:r>
             <a:r>
               <a:rPr lang="en-US" altLang="ko-KR" dirty="0" err="1" smtClean="0"/>
@@ -8708,11 +8704,7 @@
             </a:r>
             <a:r>
               <a:rPr lang="en-US" altLang="ko-KR" dirty="0" smtClean="0"/>
-              <a:t>("ids") String[ ] ids</a:t>
-            </a:r>
-            <a:r>
-              <a:rPr lang="en-US" altLang="ko-KR" dirty="0" smtClean="0"/>
-              <a:t>)</a:t>
+              <a:t>("ids") String[ ] ids)</a:t>
             </a:r>
           </a:p>
           <a:p>
@@ -11421,25 +11413,7 @@
                 </a:solidFill>
                 <a:latin typeface="Consolas" panose="020B0609020204030204" pitchFamily="49" charset="0"/>
               </a:rPr>
-              <a:t> 규격은 </a:t>
-            </a:r>
-            <a:r>
-              <a:rPr lang="ko-KR" altLang="en-US" sz="2400" dirty="0" smtClean="0">
-                <a:solidFill>
-                  <a:srgbClr val="000000"/>
-                </a:solidFill>
-                <a:latin typeface="Consolas" panose="020B0609020204030204" pitchFamily="49" charset="0"/>
-              </a:rPr>
-              <a:t>기본</a:t>
-            </a:r>
-            <a:r>
-              <a:rPr lang="ko-KR" altLang="en-US" sz="2400" dirty="0" smtClean="0">
-                <a:solidFill>
-                  <a:srgbClr val="000000"/>
-                </a:solidFill>
-                <a:latin typeface="Consolas" panose="020B0609020204030204" pitchFamily="49" charset="0"/>
-              </a:rPr>
-              <a:t> </a:t>
+              <a:t> 규격은 기본 </a:t>
             </a:r>
             <a:r>
               <a:rPr lang="ko-KR" altLang="en-US" sz="2400" dirty="0" err="1" smtClean="0">
@@ -11537,16 +11511,7 @@
                 </a:solidFill>
                 <a:latin typeface="Consolas" panose="020B0609020204030204" pitchFamily="49" charset="0"/>
               </a:rPr>
-              <a:t>가진 </a:t>
-            </a:r>
-            <a:r>
-              <a:rPr lang="ko-KR" altLang="en-US" sz="2400" dirty="0" smtClean="0">
-                <a:solidFill>
-                  <a:srgbClr val="000000"/>
-                </a:solidFill>
-                <a:latin typeface="Consolas" panose="020B0609020204030204" pitchFamily="49" charset="0"/>
-              </a:rPr>
-              <a:t>빈 클래스의 객체를 말함</a:t>
+              <a:t>가진 빈 클래스의 객체를 말함</a:t>
             </a:r>
             <a:endParaRPr lang="en-US" altLang="ko-KR" sz="2400" dirty="0" smtClean="0">
               <a:solidFill>
@@ -11622,12 +11587,6 @@
               </a:rPr>
               <a:t> </a:t>
             </a:r>
-            <a:endParaRPr lang="en-US" altLang="ko-KR" sz="2400" dirty="0" smtClean="0">
-              <a:solidFill>
-                <a:srgbClr val="000000"/>
-              </a:solidFill>
-              <a:latin typeface="Consolas" panose="020B0609020204030204" pitchFamily="49" charset="0"/>
-            </a:endParaRPr>
           </a:p>
           <a:p>
             <a:pPr marL="0" indent="0">
@@ -13689,11 +13648,7 @@
             </a:r>
             <a:r>
               <a:rPr lang="ko-KR" altLang="en-US" dirty="0" smtClean="0"/>
-              <a:t>서버에서 재 </a:t>
-            </a:r>
-            <a:r>
-              <a:rPr lang="ko-KR" altLang="en-US" dirty="0" smtClean="0"/>
-              <a:t>연결</a:t>
+              <a:t>서버에서 재 연결</a:t>
             </a:r>
             <a:endParaRPr lang="en-US" altLang="ko-KR" dirty="0" smtClean="0"/>
           </a:p>
@@ -15569,9 +15524,9 @@
             <a:endParaRPr lang="en-US" altLang="ko-KR" dirty="0"/>
           </a:p>
           <a:p>
-            <a:endParaRPr lang="en-US" altLang="ko-KR" dirty="0" smtClean="0"/>
-          </a:p>
-          <a:p>
+            <a:pPr marL="0" indent="0">
+              <a:buNone/>
+            </a:pPr>
             <a:endParaRPr lang="en-US" altLang="ko-KR" dirty="0"/>
           </a:p>
           <a:p>
@@ -15585,7 +15540,53 @@
             </a:r>
             <a:r>
               <a:rPr lang="ko-KR" altLang="en-US" dirty="0" smtClean="0"/>
-              <a:t>에 두고 테스트</a:t>
+              <a:t>에 두고 </a:t>
+            </a:r>
+            <a:r>
+              <a:rPr lang="ko-KR" altLang="en-US" dirty="0" smtClean="0"/>
+              <a:t>테스트</a:t>
+            </a:r>
+            <a:endParaRPr lang="en-US" altLang="ko-KR" dirty="0" smtClean="0"/>
+          </a:p>
+          <a:p>
+            <a:r>
+              <a:rPr lang="en-US" altLang="ko-KR" dirty="0"/>
+              <a:t>c</a:t>
+            </a:r>
+            <a:r>
+              <a:rPr lang="en-US" altLang="ko-KR" dirty="0" smtClean="0"/>
+              <a:t>ommons- </a:t>
+            </a:r>
+            <a:r>
+              <a:rPr lang="en-US" altLang="ko-KR" dirty="0" err="1" smtClean="0"/>
+              <a:t>fileupload,cors,multipart-config</a:t>
+            </a:r>
+            <a:r>
+              <a:rPr lang="ko-KR" altLang="en-US" dirty="0" smtClean="0"/>
+              <a:t>를 주로 사용</a:t>
+            </a:r>
+            <a:r>
+              <a:rPr lang="en-US" altLang="ko-KR" dirty="0" smtClean="0"/>
+              <a:t/>
+            </a:r>
+            <a:br>
+              <a:rPr lang="en-US" altLang="ko-KR" dirty="0" smtClean="0"/>
+            </a:br>
+            <a:r>
+              <a:rPr lang="en-US" altLang="ko-KR" dirty="0" err="1" smtClean="0"/>
+              <a:t>cors</a:t>
+            </a:r>
+            <a:r>
+              <a:rPr lang="ko-KR" altLang="en-US" dirty="0" smtClean="0"/>
+              <a:t>는</a:t>
+            </a:r>
+            <a:r>
+              <a:rPr lang="en-US" altLang="ko-KR" dirty="0" smtClean="0"/>
+              <a:t> 2003</a:t>
+            </a:r>
+            <a:r>
+              <a:rPr lang="ko-KR" altLang="en-US" dirty="0" smtClean="0"/>
+              <a:t>년 이후에는 업그레이드 및 지원 중단</a:t>
             </a:r>
             <a:r>
               <a:rPr lang="en-US" altLang="ko-KR" dirty="0" smtClean="0"/>
@@ -15648,7 +15649,7 @@
               </a:spcAft>
             </a:pPr>
             <a:r>
-              <a:rPr lang="en-US" altLang="ko-KR" sz="1200">
+              <a:rPr lang="en-US" altLang="ko-KR" sz="1200" dirty="0">
                 <a:solidFill>
                   <a:srgbClr val="008080"/>
                 </a:solidFill>
@@ -15658,7 +15659,7 @@
               <a:t>&lt;</a:t>
             </a:r>
             <a:r>
-              <a:rPr lang="en-US" altLang="ko-KR" sz="1200">
+              <a:rPr lang="en-US" altLang="ko-KR" sz="1200" dirty="0">
                 <a:solidFill>
                   <a:srgbClr val="3F7F7F"/>
                 </a:solidFill>
@@ -15668,7 +15669,7 @@
               <a:t>dependency</a:t>
             </a:r>
             <a:r>
-              <a:rPr lang="en-US" altLang="ko-KR" sz="1200">
+              <a:rPr lang="en-US" altLang="ko-KR" sz="1200" dirty="0">
                 <a:solidFill>
                   <a:srgbClr val="008080"/>
                 </a:solidFill>
@@ -15677,7 +15678,7 @@
               </a:rPr>
               <a:t>&gt;</a:t>
             </a:r>
-            <a:endParaRPr lang="ko-KR" altLang="ko-KR" sz="1200">
+            <a:endParaRPr lang="ko-KR" altLang="ko-KR" sz="1200" dirty="0">
               <a:latin typeface="나눔고딕코딩"/>
               <a:cs typeface="Arial" panose="020B0604020202020204" pitchFamily="34" charset="0"/>
             </a:endParaRPr>
@@ -15692,7 +15693,7 @@
               </a:spcAft>
             </a:pPr>
             <a:r>
-              <a:rPr lang="en-US" altLang="ko-KR" sz="1200">
+              <a:rPr lang="en-US" altLang="ko-KR" sz="1200" dirty="0">
                 <a:solidFill>
                   <a:srgbClr val="000000"/>
                 </a:solidFill>
@@ -15702,7 +15703,7 @@
               <a:t>    </a:t>
             </a:r>
             <a:r>
-              <a:rPr lang="en-US" altLang="ko-KR" sz="1200">
+              <a:rPr lang="en-US" altLang="ko-KR" sz="1200" dirty="0">
                 <a:solidFill>
                   <a:srgbClr val="008080"/>
                 </a:solidFill>
@@ -15712,7 +15713,7 @@
               <a:t>&lt;</a:t>
             </a:r>
             <a:r>
-              <a:rPr lang="en-US" altLang="ko-KR" sz="1200">
+              <a:rPr lang="en-US" altLang="ko-KR" sz="1200" dirty="0" err="1">
                 <a:solidFill>
                   <a:srgbClr val="3F7F7F"/>
                 </a:solidFill>
@@ -15722,7 +15723,7 @@
               <a:t>groupId</a:t>
             </a:r>
             <a:r>
-              <a:rPr lang="en-US" altLang="ko-KR" sz="1200">
+              <a:rPr lang="en-US" altLang="ko-KR" sz="1200" dirty="0">
                 <a:solidFill>
                   <a:srgbClr val="008080"/>
                 </a:solidFill>
@@ -15732,7 +15733,7 @@
               <a:t>&gt;</a:t>
             </a:r>
             <a:r>
-              <a:rPr lang="en-US" altLang="ko-KR" sz="1200">
+              <a:rPr lang="en-US" altLang="ko-KR" sz="1200" dirty="0">
                 <a:solidFill>
                   <a:srgbClr val="000000"/>
                 </a:solidFill>
@@ -15742,7 +15743,7 @@
               <a:t>commons-</a:t>
             </a:r>
             <a:r>
-              <a:rPr lang="en-US" altLang="ko-KR" sz="1200" u="sng">
+              <a:rPr lang="en-US" altLang="ko-KR" sz="1200" u="sng" dirty="0" err="1">
                 <a:solidFill>
                   <a:srgbClr val="000000"/>
                 </a:solidFill>
@@ -15752,7 +15753,7 @@
               <a:t>fileupload</a:t>
             </a:r>
             <a:r>
-              <a:rPr lang="en-US" altLang="ko-KR" sz="1200">
+              <a:rPr lang="en-US" altLang="ko-KR" sz="1200" dirty="0">
                 <a:solidFill>
                   <a:srgbClr val="008080"/>
                 </a:solidFill>
@@ -15762,7 +15763,7 @@
               <a:t>&lt;/</a:t>
             </a:r>
             <a:r>
-              <a:rPr lang="en-US" altLang="ko-KR" sz="1200">
+              <a:rPr lang="en-US" altLang="ko-KR" sz="1200" dirty="0" err="1">
                 <a:solidFill>
                   <a:srgbClr val="3F7F7F"/>
                 </a:solidFill>
@@ -15772,7 +15773,7 @@
               <a:t>groupId</a:t>
             </a:r>
             <a:r>
-              <a:rPr lang="en-US" altLang="ko-KR" sz="1200">
+              <a:rPr lang="en-US" altLang="ko-KR" sz="1200" dirty="0">
                 <a:solidFill>
                   <a:srgbClr val="008080"/>
                 </a:solidFill>
@@ -15781,7 +15782,7 @@
               </a:rPr>
               <a:t>&gt;</a:t>
             </a:r>
-            <a:endParaRPr lang="ko-KR" altLang="ko-KR" sz="1200">
+            <a:endParaRPr lang="ko-KR" altLang="ko-KR" sz="1200" dirty="0">
               <a:latin typeface="나눔고딕코딩"/>
               <a:cs typeface="Arial" panose="020B0604020202020204" pitchFamily="34" charset="0"/>
             </a:endParaRPr>
@@ -15796,7 +15797,7 @@
               </a:spcAft>
             </a:pPr>
             <a:r>
-              <a:rPr lang="en-US" altLang="ko-KR" sz="1200">
+              <a:rPr lang="en-US" altLang="ko-KR" sz="1200" dirty="0">
                 <a:solidFill>
                   <a:srgbClr val="000000"/>
                 </a:solidFill>
@@ -15806,7 +15807,7 @@
               <a:t>    </a:t>
             </a:r>
             <a:r>
-              <a:rPr lang="en-US" altLang="ko-KR" sz="1200">
+              <a:rPr lang="en-US" altLang="ko-KR" sz="1200" dirty="0">
                 <a:solidFill>
                   <a:srgbClr val="008080"/>
                 </a:solidFill>
@@ -15816,7 +15817,7 @@
               <a:t>&lt;</a:t>
             </a:r>
             <a:r>
-              <a:rPr lang="en-US" altLang="ko-KR" sz="1200">
+              <a:rPr lang="en-US" altLang="ko-KR" sz="1200" dirty="0" err="1">
                 <a:solidFill>
                   <a:srgbClr val="3F7F7F"/>
                 </a:solidFill>
@@ -15826,7 +15827,7 @@
               <a:t>artifactId</a:t>
             </a:r>
             <a:r>
-              <a:rPr lang="en-US" altLang="ko-KR" sz="1200">
+              <a:rPr lang="en-US" altLang="ko-KR" sz="1200" dirty="0">
                 <a:solidFill>
                   <a:srgbClr val="008080"/>
                 </a:solidFill>
@@ -15836,7 +15837,7 @@
               <a:t>&gt;</a:t>
             </a:r>
             <a:r>
-              <a:rPr lang="en-US" altLang="ko-KR" sz="1200">
+              <a:rPr lang="en-US" altLang="ko-KR" sz="1200" dirty="0">
                 <a:solidFill>
                   <a:srgbClr val="000000"/>
                 </a:solidFill>
@@ -15846,7 +15847,7 @@
               <a:t>commons-</a:t>
             </a:r>
             <a:r>
-              <a:rPr lang="en-US" altLang="ko-KR" sz="1200" u="sng">
+              <a:rPr lang="en-US" altLang="ko-KR" sz="1200" u="sng" dirty="0" err="1">
                 <a:solidFill>
                   <a:srgbClr val="000000"/>
                 </a:solidFill>
@@ -15856,7 +15857,7 @@
               <a:t>fileupload</a:t>
             </a:r>
             <a:r>
-              <a:rPr lang="en-US" altLang="ko-KR" sz="1200">
+              <a:rPr lang="en-US" altLang="ko-KR" sz="1200" dirty="0">
                 <a:solidFill>
                   <a:srgbClr val="008080"/>
                 </a:solidFill>
@@ -15866,7 +15867,7 @@
               <a:t>&lt;/</a:t>
             </a:r>
             <a:r>
-              <a:rPr lang="en-US" altLang="ko-KR" sz="1200">
+              <a:rPr lang="en-US" altLang="ko-KR" sz="1200" dirty="0" err="1">
                 <a:solidFill>
                   <a:srgbClr val="3F7F7F"/>
                 </a:solidFill>
@@ -15876,7 +15877,7 @@
               <a:t>artifactId</a:t>
             </a:r>
             <a:r>
-              <a:rPr lang="en-US" altLang="ko-KR" sz="1200">
+              <a:rPr lang="en-US" altLang="ko-KR" sz="1200" dirty="0">
                 <a:solidFill>
                   <a:srgbClr val="008080"/>
                 </a:solidFill>
@@ -15885,7 +15886,7 @@
               </a:rPr>
               <a:t>&gt;</a:t>
             </a:r>
-            <a:endParaRPr lang="ko-KR" altLang="ko-KR" sz="1200">
+            <a:endParaRPr lang="ko-KR" altLang="ko-KR" sz="1200" dirty="0">
               <a:latin typeface="나눔고딕코딩"/>
               <a:cs typeface="Arial" panose="020B0604020202020204" pitchFamily="34" charset="0"/>
             </a:endParaRPr>
@@ -15900,7 +15901,7 @@
               </a:spcAft>
             </a:pPr>
             <a:r>
-              <a:rPr lang="en-US" altLang="ko-KR" sz="1200">
+              <a:rPr lang="en-US" altLang="ko-KR" sz="1200" dirty="0">
                 <a:solidFill>
                   <a:srgbClr val="000000"/>
                 </a:solidFill>
@@ -15910,7 +15911,7 @@
               <a:t>    </a:t>
             </a:r>
             <a:r>
-              <a:rPr lang="en-US" altLang="ko-KR" sz="1200">
+              <a:rPr lang="en-US" altLang="ko-KR" sz="1200" dirty="0">
                 <a:solidFill>
                   <a:srgbClr val="008080"/>
                 </a:solidFill>
@@ -15920,7 +15921,7 @@
               <a:t>&lt;</a:t>
             </a:r>
             <a:r>
-              <a:rPr lang="en-US" altLang="ko-KR" sz="1200">
+              <a:rPr lang="en-US" altLang="ko-KR" sz="1200" dirty="0">
                 <a:solidFill>
                   <a:srgbClr val="3F7F7F"/>
                 </a:solidFill>
@@ -15930,7 +15931,7 @@
               <a:t>version</a:t>
             </a:r>
             <a:r>
-              <a:rPr lang="en-US" altLang="ko-KR" sz="1200">
+              <a:rPr lang="en-US" altLang="ko-KR" sz="1200" dirty="0">
                 <a:solidFill>
                   <a:srgbClr val="008080"/>
                 </a:solidFill>
@@ -15940,7 +15941,7 @@
               <a:t>&gt;</a:t>
             </a:r>
             <a:r>
-              <a:rPr lang="en-US" altLang="ko-KR" sz="1200">
+              <a:rPr lang="en-US" altLang="ko-KR" sz="1200" dirty="0">
                 <a:solidFill>
                   <a:srgbClr val="000000"/>
                 </a:solidFill>
@@ -15950,7 +15951,7 @@
               <a:t>1.3.3</a:t>
             </a:r>
             <a:r>
-              <a:rPr lang="en-US" altLang="ko-KR" sz="1200">
+              <a:rPr lang="en-US" altLang="ko-KR" sz="1200" dirty="0">
                 <a:solidFill>
                   <a:srgbClr val="008080"/>
                 </a:solidFill>
@@ -15960,7 +15961,7 @@
               <a:t>&lt;/</a:t>
             </a:r>
             <a:r>
-              <a:rPr lang="en-US" altLang="ko-KR" sz="1200">
+              <a:rPr lang="en-US" altLang="ko-KR" sz="1200" dirty="0">
                 <a:solidFill>
                   <a:srgbClr val="3F7F7F"/>
                 </a:solidFill>
@@ -15970,7 +15971,7 @@
               <a:t>version</a:t>
             </a:r>
             <a:r>
-              <a:rPr lang="en-US" altLang="ko-KR" sz="1200">
+              <a:rPr lang="en-US" altLang="ko-KR" sz="1200" dirty="0">
                 <a:solidFill>
                   <a:srgbClr val="008080"/>
                 </a:solidFill>
@@ -15979,7 +15980,7 @@
               </a:rPr>
               <a:t>&gt;</a:t>
             </a:r>
-            <a:endParaRPr lang="ko-KR" altLang="ko-KR" sz="1200">
+            <a:endParaRPr lang="ko-KR" altLang="ko-KR" sz="1200" dirty="0">
               <a:latin typeface="나눔고딕코딩"/>
               <a:cs typeface="Arial" panose="020B0604020202020204" pitchFamily="34" charset="0"/>
             </a:endParaRPr>
@@ -15994,7 +15995,7 @@
               </a:spcAft>
             </a:pPr>
             <a:r>
-              <a:rPr lang="en-US" altLang="ko-KR" sz="1200">
+              <a:rPr lang="en-US" altLang="ko-KR" sz="1200" dirty="0">
                 <a:solidFill>
                   <a:srgbClr val="008080"/>
                 </a:solidFill>
@@ -16004,7 +16005,7 @@
               <a:t>&lt;/</a:t>
             </a:r>
             <a:r>
-              <a:rPr lang="en-US" altLang="ko-KR" sz="1200">
+              <a:rPr lang="en-US" altLang="ko-KR" sz="1200" dirty="0">
                 <a:solidFill>
                   <a:srgbClr val="3F7F7F"/>
                 </a:solidFill>
@@ -16014,7 +16015,7 @@
               <a:t>dependency</a:t>
             </a:r>
             <a:r>
-              <a:rPr lang="en-US" altLang="ko-KR" sz="1200">
+              <a:rPr lang="en-US" altLang="ko-KR" sz="1200" dirty="0">
                 <a:solidFill>
                   <a:srgbClr val="008080"/>
                 </a:solidFill>
@@ -16023,7 +16024,7 @@
               </a:rPr>
               <a:t>&gt;</a:t>
             </a:r>
-            <a:endParaRPr lang="ko-KR" altLang="ko-KR" sz="1200">
+            <a:endParaRPr lang="ko-KR" altLang="ko-KR" sz="1200" dirty="0">
               <a:latin typeface="나눔고딕코딩"/>
               <a:cs typeface="Arial" panose="020B0604020202020204" pitchFamily="34" charset="0"/>
             </a:endParaRPr>
@@ -16082,14 +16083,14 @@
           <a:lstStyle/>
           <a:p>
             <a:r>
-              <a:rPr lang="ko-KR" altLang="en-US"/>
+              <a:rPr lang="ko-KR" altLang="en-US" dirty="0"/>
               <a:t>파일 업로드를 위한 </a:t>
             </a:r>
             <a:r>
-              <a:rPr lang="en-US" altLang="ko-KR"/>
+              <a:rPr lang="en-US" altLang="ko-KR" dirty="0"/>
               <a:t>servlet-context.xml</a:t>
             </a:r>
-            <a:endParaRPr lang="ko-KR" altLang="en-US"/>
+            <a:endParaRPr lang="ko-KR" altLang="en-US" dirty="0"/>
           </a:p>
         </p:txBody>
       </p:sp>
@@ -19885,13 +19886,55 @@
               </a:spcAft>
             </a:pPr>
             <a:r>
-              <a:rPr lang="en-US" altLang="ko-KR" sz="1400">
+              <a:rPr lang="en-US" altLang="ko-KR" sz="1400" dirty="0">
                 <a:latin typeface="나눔고딕코딩"/>
                 <a:cs typeface="Arial" panose="020B0604020202020204" pitchFamily="34" charset="0"/>
               </a:rPr>
-              <a:t> &lt;h4&gt;&lt;c:out value="${exception.getMessage()}"&gt;&lt;/c:out&gt;&lt;/h4&gt;</a:t>
-            </a:r>
-            <a:endParaRPr lang="ko-KR" altLang="ko-KR" sz="1400">
+              <a:t> &lt;h4&gt;&lt;</a:t>
+            </a:r>
+            <a:r>
+              <a:rPr lang="en-US" altLang="ko-KR" sz="1400" dirty="0" err="1">
+                <a:latin typeface="나눔고딕코딩"/>
+                <a:cs typeface="Arial" panose="020B0604020202020204" pitchFamily="34" charset="0"/>
+              </a:rPr>
+              <a:t>c:out</a:t>
+            </a:r>
+            <a:r>
+              <a:rPr lang="en-US" altLang="ko-KR" sz="1400" dirty="0">
+                <a:latin typeface="나눔고딕코딩"/>
+                <a:cs typeface="Arial" panose="020B0604020202020204" pitchFamily="34" charset="0"/>
+              </a:rPr>
+              <a:t> value="${</a:t>
+            </a:r>
+            <a:r>
+              <a:rPr lang="en-US" altLang="ko-KR" sz="1400" dirty="0" err="1">
+                <a:latin typeface="나눔고딕코딩"/>
+                <a:cs typeface="Arial" panose="020B0604020202020204" pitchFamily="34" charset="0"/>
+              </a:rPr>
+              <a:t>exception.getMessage</a:t>
+            </a:r>
+            <a:r>
+              <a:rPr lang="en-US" altLang="ko-KR" sz="1400" dirty="0">
+                <a:latin typeface="나눔고딕코딩"/>
+                <a:cs typeface="Arial" panose="020B0604020202020204" pitchFamily="34" charset="0"/>
+              </a:rPr>
+              <a:t>()}"&gt;&lt;/</a:t>
+            </a:r>
+            <a:r>
+              <a:rPr lang="en-US" altLang="ko-KR" sz="1400" dirty="0" err="1">
+                <a:latin typeface="나눔고딕코딩"/>
+                <a:cs typeface="Arial" panose="020B0604020202020204" pitchFamily="34" charset="0"/>
+              </a:rPr>
+              <a:t>c:out</a:t>
+            </a:r>
+            <a:r>
+              <a:rPr lang="en-US" altLang="ko-KR" sz="1400" dirty="0">
+                <a:latin typeface="나눔고딕코딩"/>
+                <a:cs typeface="Arial" panose="020B0604020202020204" pitchFamily="34" charset="0"/>
+              </a:rPr>
+              <a:t>&gt;&lt;/h4&gt;</a:t>
+            </a:r>
+            <a:endParaRPr lang="ko-KR" altLang="ko-KR" sz="1400" dirty="0">
               <a:latin typeface="나눔고딕코딩"/>
               <a:cs typeface="Arial" panose="020B0604020202020204" pitchFamily="34" charset="0"/>
             </a:endParaRPr>
@@ -19906,13 +19949,13 @@
               </a:spcAft>
             </a:pPr>
             <a:r>
-              <a:rPr lang="en-US" altLang="ko-KR" sz="1400">
+              <a:rPr lang="en-US" altLang="ko-KR" sz="1400" dirty="0">
                 <a:latin typeface="나눔고딕코딩"/>
                 <a:cs typeface="Arial" panose="020B0604020202020204" pitchFamily="34" charset="0"/>
               </a:rPr>
               <a:t> </a:t>
             </a:r>
-            <a:endParaRPr lang="ko-KR" altLang="ko-KR" sz="1400">
+            <a:endParaRPr lang="ko-KR" altLang="ko-KR" sz="1400" dirty="0">
               <a:latin typeface="나눔고딕코딩"/>
               <a:cs typeface="Arial" panose="020B0604020202020204" pitchFamily="34" charset="0"/>
             </a:endParaRPr>
@@ -19927,13 +19970,27 @@
               </a:spcAft>
             </a:pPr>
             <a:r>
-              <a:rPr lang="en-US" altLang="ko-KR" sz="1400">
+              <a:rPr lang="en-US" altLang="ko-KR" sz="1400" dirty="0">
                 <a:latin typeface="나눔고딕코딩"/>
                 <a:cs typeface="Arial" panose="020B0604020202020204" pitchFamily="34" charset="0"/>
               </a:rPr>
-              <a:t>  &lt;ul&gt;</a:t>
-            </a:r>
-            <a:endParaRPr lang="ko-KR" altLang="ko-KR" sz="1400">
+              <a:t>  &lt;</a:t>
+            </a:r>
+            <a:r>
+              <a:rPr lang="en-US" altLang="ko-KR" sz="1400" dirty="0" err="1">
+                <a:latin typeface="나눔고딕코딩"/>
+                <a:cs typeface="Arial" panose="020B0604020202020204" pitchFamily="34" charset="0"/>
+              </a:rPr>
+              <a:t>ul</a:t>
+            </a:r>
+            <a:r>
+              <a:rPr lang="en-US" altLang="ko-KR" sz="1400" dirty="0">
+                <a:latin typeface="나눔고딕코딩"/>
+                <a:cs typeface="Arial" panose="020B0604020202020204" pitchFamily="34" charset="0"/>
+              </a:rPr>
+              <a:t>&gt;</a:t>
+            </a:r>
+            <a:endParaRPr lang="ko-KR" altLang="ko-KR" sz="1400" dirty="0">
               <a:latin typeface="나눔고딕코딩"/>
               <a:cs typeface="Arial" panose="020B0604020202020204" pitchFamily="34" charset="0"/>
             </a:endParaRPr>
@@ -19948,13 +20005,55 @@
               </a:spcAft>
             </a:pPr>
             <a:r>
-              <a:rPr lang="en-US" altLang="ko-KR" sz="1400">
+              <a:rPr lang="en-US" altLang="ko-KR" sz="1400" dirty="0">
                 <a:latin typeface="나눔고딕코딩"/>
                 <a:cs typeface="Arial" panose="020B0604020202020204" pitchFamily="34" charset="0"/>
               </a:rPr>
-              <a:t>   &lt;c:forEach items="${exception.getStackTrace() }" var="stack"&gt;</a:t>
-            </a:r>
-            <a:endParaRPr lang="ko-KR" altLang="ko-KR" sz="1400">
+              <a:t>   &lt;</a:t>
+            </a:r>
+            <a:r>
+              <a:rPr lang="en-US" altLang="ko-KR" sz="1400" dirty="0" err="1">
+                <a:latin typeface="나눔고딕코딩"/>
+                <a:cs typeface="Arial" panose="020B0604020202020204" pitchFamily="34" charset="0"/>
+              </a:rPr>
+              <a:t>c:forEach</a:t>
+            </a:r>
+            <a:r>
+              <a:rPr lang="en-US" altLang="ko-KR" sz="1400" dirty="0">
+                <a:latin typeface="나눔고딕코딩"/>
+                <a:cs typeface="Arial" panose="020B0604020202020204" pitchFamily="34" charset="0"/>
+              </a:rPr>
+              <a:t> items="${</a:t>
+            </a:r>
+            <a:r>
+              <a:rPr lang="en-US" altLang="ko-KR" sz="1400" dirty="0" err="1">
+                <a:latin typeface="나눔고딕코딩"/>
+                <a:cs typeface="Arial" panose="020B0604020202020204" pitchFamily="34" charset="0"/>
+              </a:rPr>
+              <a:t>exception.getStackTrace</a:t>
+            </a:r>
+            <a:r>
+              <a:rPr lang="en-US" altLang="ko-KR" sz="1400" dirty="0">
+                <a:latin typeface="나눔고딕코딩"/>
+                <a:cs typeface="Arial" panose="020B0604020202020204" pitchFamily="34" charset="0"/>
+              </a:rPr>
+              <a:t>() }" </a:t>
+            </a:r>
+            <a:r>
+              <a:rPr lang="en-US" altLang="ko-KR" sz="1400" dirty="0" err="1">
+                <a:latin typeface="나눔고딕코딩"/>
+                <a:cs typeface="Arial" panose="020B0604020202020204" pitchFamily="34" charset="0"/>
+              </a:rPr>
+              <a:t>var</a:t>
+            </a:r>
+            <a:r>
+              <a:rPr lang="en-US" altLang="ko-KR" sz="1400" dirty="0">
+                <a:latin typeface="나눔고딕코딩"/>
+                <a:cs typeface="Arial" panose="020B0604020202020204" pitchFamily="34" charset="0"/>
+              </a:rPr>
+              <a:t>="stack"&gt;</a:t>
+            </a:r>
+            <a:endParaRPr lang="ko-KR" altLang="ko-KR" sz="1400" dirty="0">
               <a:latin typeface="나눔고딕코딩"/>
               <a:cs typeface="Arial" panose="020B0604020202020204" pitchFamily="34" charset="0"/>
             </a:endParaRPr>
@@ -19969,13 +20068,41 @@
               </a:spcAft>
             </a:pPr>
             <a:r>
-              <a:rPr lang="en-US" altLang="ko-KR" sz="1400">
+              <a:rPr lang="en-US" altLang="ko-KR" sz="1400" dirty="0">
                 <a:latin typeface="나눔고딕코딩"/>
                 <a:cs typeface="Arial" panose="020B0604020202020204" pitchFamily="34" charset="0"/>
               </a:rPr>
-              <a:t>     &lt;li&gt;&lt;c:out value="${stack}"&gt;&lt;/c:out&gt;&lt;/li&gt;</a:t>
-            </a:r>
-            <a:endParaRPr lang="ko-KR" altLang="ko-KR" sz="1400">
+              <a:t>     &lt;li&gt;&lt;</a:t>
+            </a:r>
+            <a:r>
+              <a:rPr lang="en-US" altLang="ko-KR" sz="1400" dirty="0" err="1">
+                <a:latin typeface="나눔고딕코딩"/>
+                <a:cs typeface="Arial" panose="020B0604020202020204" pitchFamily="34" charset="0"/>
+              </a:rPr>
+              <a:t>c:out</a:t>
+            </a:r>
+            <a:r>
+              <a:rPr lang="en-US" altLang="ko-KR" sz="1400" dirty="0">
+                <a:latin typeface="나눔고딕코딩"/>
+                <a:cs typeface="Arial" panose="020B0604020202020204" pitchFamily="34" charset="0"/>
+              </a:rPr>
+              <a:t> value="${stack}"&gt;&lt;/</a:t>
+            </a:r>
+            <a:r>
+              <a:rPr lang="en-US" altLang="ko-KR" sz="1400" dirty="0" err="1">
+                <a:latin typeface="나눔고딕코딩"/>
+                <a:cs typeface="Arial" panose="020B0604020202020204" pitchFamily="34" charset="0"/>
+              </a:rPr>
+              <a:t>c:out</a:t>
+            </a:r>
+            <a:r>
+              <a:rPr lang="en-US" altLang="ko-KR" sz="1400" dirty="0">
+                <a:latin typeface="나눔고딕코딩"/>
+                <a:cs typeface="Arial" panose="020B0604020202020204" pitchFamily="34" charset="0"/>
+              </a:rPr>
+              <a:t>&gt;&lt;/li&gt;</a:t>
+            </a:r>
+            <a:endParaRPr lang="ko-KR" altLang="ko-KR" sz="1400" dirty="0">
               <a:latin typeface="나눔고딕코딩"/>
               <a:cs typeface="Arial" panose="020B0604020202020204" pitchFamily="34" charset="0"/>
             </a:endParaRPr>
@@ -19990,13 +20117,27 @@
               </a:spcAft>
             </a:pPr>
             <a:r>
-              <a:rPr lang="en-US" altLang="ko-KR" sz="1400">
+              <a:rPr lang="en-US" altLang="ko-KR" sz="1400" dirty="0">
                 <a:latin typeface="나눔고딕코딩"/>
                 <a:cs typeface="Arial" panose="020B0604020202020204" pitchFamily="34" charset="0"/>
               </a:rPr>
-              <a:t>   &lt;/c:forEach&gt;</a:t>
-            </a:r>
-            <a:endParaRPr lang="ko-KR" altLang="ko-KR" sz="1400">
+              <a:t>   &lt;/</a:t>
+            </a:r>
+            <a:r>
+              <a:rPr lang="en-US" altLang="ko-KR" sz="1400" dirty="0" err="1">
+                <a:latin typeface="나눔고딕코딩"/>
+                <a:cs typeface="Arial" panose="020B0604020202020204" pitchFamily="34" charset="0"/>
+              </a:rPr>
+              <a:t>c:forEach</a:t>
+            </a:r>
+            <a:r>
+              <a:rPr lang="en-US" altLang="ko-KR" sz="1400" dirty="0">
+                <a:latin typeface="나눔고딕코딩"/>
+                <a:cs typeface="Arial" panose="020B0604020202020204" pitchFamily="34" charset="0"/>
+              </a:rPr>
+              <a:t>&gt;</a:t>
+            </a:r>
+            <a:endParaRPr lang="ko-KR" altLang="ko-KR" sz="1400" dirty="0">
               <a:latin typeface="나눔고딕코딩"/>
               <a:cs typeface="Arial" panose="020B0604020202020204" pitchFamily="34" charset="0"/>
             </a:endParaRPr>
@@ -20011,13 +20152,27 @@
               </a:spcAft>
             </a:pPr>
             <a:r>
-              <a:rPr lang="en-US" altLang="ko-KR" sz="1400">
+              <a:rPr lang="en-US" altLang="ko-KR" sz="1400" dirty="0">
                 <a:latin typeface="나눔고딕코딩"/>
                 <a:cs typeface="Arial" panose="020B0604020202020204" pitchFamily="34" charset="0"/>
               </a:rPr>
-              <a:t>  &lt;/ul&gt;</a:t>
-            </a:r>
-            <a:endParaRPr lang="ko-KR" altLang="en-US" sz="1400"/>
+              <a:t>  &lt;/</a:t>
+            </a:r>
+            <a:r>
+              <a:rPr lang="en-US" altLang="ko-KR" sz="1400" dirty="0" err="1">
+                <a:latin typeface="나눔고딕코딩"/>
+                <a:cs typeface="Arial" panose="020B0604020202020204" pitchFamily="34" charset="0"/>
+              </a:rPr>
+              <a:t>ul</a:t>
+            </a:r>
+            <a:r>
+              <a:rPr lang="en-US" altLang="ko-KR" sz="1400" dirty="0">
+                <a:latin typeface="나눔고딕코딩"/>
+                <a:cs typeface="Arial" panose="020B0604020202020204" pitchFamily="34" charset="0"/>
+              </a:rPr>
+              <a:t>&gt;</a:t>
+            </a:r>
+            <a:endParaRPr lang="ko-KR" altLang="en-US" sz="1400" dirty="0"/>
           </a:p>
         </p:txBody>
       </p:sp>
